--- a/Projekt3/Adam_Kierat_Arkadiusz_Kałuża_Modul3_prezentacja.pptx
+++ b/Projekt3/Adam_Kierat_Arkadiusz_Kałuża_Modul3_prezentacja.pptx
@@ -5,10 +5,10 @@
     <p:sldMasterId id="2147483669" r:id="rId4"/>
   </p:sldMasterIdLst>
   <p:notesMasterIdLst>
-    <p:notesMasterId r:id="rId29"/>
+    <p:notesMasterId r:id="rId26"/>
   </p:notesMasterIdLst>
   <p:handoutMasterIdLst>
-    <p:handoutMasterId r:id="rId30"/>
+    <p:handoutMasterId r:id="rId27"/>
   </p:handoutMasterIdLst>
   <p:sldIdLst>
     <p:sldId id="256" r:id="rId5"/>
@@ -25,16 +25,13 @@
     <p:sldId id="268" r:id="rId16"/>
     <p:sldId id="269" r:id="rId17"/>
     <p:sldId id="270" r:id="rId18"/>
-    <p:sldId id="278" r:id="rId19"/>
-    <p:sldId id="280" r:id="rId20"/>
-    <p:sldId id="281" r:id="rId21"/>
-    <p:sldId id="272" r:id="rId22"/>
-    <p:sldId id="279" r:id="rId23"/>
-    <p:sldId id="271" r:id="rId24"/>
-    <p:sldId id="274" r:id="rId25"/>
-    <p:sldId id="275" r:id="rId26"/>
-    <p:sldId id="276" r:id="rId27"/>
-    <p:sldId id="277" r:id="rId28"/>
+    <p:sldId id="272" r:id="rId19"/>
+    <p:sldId id="279" r:id="rId20"/>
+    <p:sldId id="271" r:id="rId21"/>
+    <p:sldId id="274" r:id="rId22"/>
+    <p:sldId id="275" r:id="rId23"/>
+    <p:sldId id="276" r:id="rId24"/>
+    <p:sldId id="277" r:id="rId25"/>
   </p:sldIdLst>
   <p:sldSz cx="12192000" cy="6858000"/>
   <p:notesSz cx="6858000" cy="9144000"/>
@@ -238,7 +235,7 @@
           <a:p>
             <a:fld id="{2B85766F-5EC0-4797-B4D1-777FCB005B11}" type="datetimeFigureOut">
               <a:rPr lang="en-US" smtClean="0"/>
-              <a:t>6/18/2020</a:t>
+              <a:t>6/22/2020</a:t>
             </a:fld>
             <a:endParaRPr lang="en-US" dirty="0"/>
           </a:p>
@@ -415,7 +412,7 @@
           <a:p>
             <a:fld id="{B2B4B5EC-152C-4627-80C0-63B10D5574EF}" type="datetimeFigureOut">
               <a:rPr lang="en-US" smtClean="0"/>
-              <a:t>6/18/2020</a:t>
+              <a:t>6/22/2020</a:t>
             </a:fld>
             <a:endParaRPr lang="en-US" dirty="0"/>
           </a:p>
@@ -739,7 +736,7 @@
           <a:noFill/>
           <a:extLst>
             <a:ext uri="{909E8E84-426E-40dd-AFC4-6F175D3DCCD1}">
-              <a14:hiddenFill xmlns="" xmlns:a14="http://schemas.microsoft.com/office/drawing/2010/main">
+              <a14:hiddenFill xmlns:a14="http://schemas.microsoft.com/office/drawing/2010/main" xmlns="">
                 <a:solidFill>
                   <a:srgbClr val="FFFFFF"/>
                 </a:solidFill>
@@ -798,7 +795,7 @@
             </a:ln>
             <a:extLst>
               <a:ext uri="{91240B29-F687-4f45-9708-019B960494DF}">
-                <a14:hiddenLine xmlns="" xmlns:a14="http://schemas.microsoft.com/office/drawing/2010/main" w="9525">
+                <a14:hiddenLine xmlns:a14="http://schemas.microsoft.com/office/drawing/2010/main" xmlns="" w="9525">
                   <a:solidFill>
                     <a:srgbClr val="000000"/>
                   </a:solidFill>
@@ -888,7 +885,7 @@
             </a:ln>
             <a:extLst>
               <a:ext uri="{91240B29-F687-4f45-9708-019B960494DF}">
-                <a14:hiddenLine xmlns="" xmlns:a14="http://schemas.microsoft.com/office/drawing/2010/main" w="9525">
+                <a14:hiddenLine xmlns:a14="http://schemas.microsoft.com/office/drawing/2010/main" xmlns="" w="9525">
                   <a:solidFill>
                     <a:srgbClr val="000000"/>
                   </a:solidFill>
@@ -978,7 +975,7 @@
             </a:ln>
             <a:extLst>
               <a:ext uri="{91240B29-F687-4f45-9708-019B960494DF}">
-                <a14:hiddenLine xmlns="" xmlns:a14="http://schemas.microsoft.com/office/drawing/2010/main" w="9525">
+                <a14:hiddenLine xmlns:a14="http://schemas.microsoft.com/office/drawing/2010/main" xmlns="" w="9525">
                   <a:solidFill>
                     <a:srgbClr val="000000"/>
                   </a:solidFill>
@@ -1012,7 +1009,7 @@
             </a:ln>
             <a:extLst>
               <a:ext uri="{91240B29-F687-4f45-9708-019B960494DF}">
-                <a14:hiddenLine xmlns="" xmlns:a14="http://schemas.microsoft.com/office/drawing/2010/main" w="9525">
+                <a14:hiddenLine xmlns:a14="http://schemas.microsoft.com/office/drawing/2010/main" xmlns="" w="9525">
                   <a:solidFill>
                     <a:srgbClr val="000000"/>
                   </a:solidFill>
@@ -1102,7 +1099,7 @@
             </a:ln>
             <a:extLst>
               <a:ext uri="{91240B29-F687-4f45-9708-019B960494DF}">
-                <a14:hiddenLine xmlns="" xmlns:a14="http://schemas.microsoft.com/office/drawing/2010/main" w="9525">
+                <a14:hiddenLine xmlns:a14="http://schemas.microsoft.com/office/drawing/2010/main" xmlns="" w="9525">
                   <a:solidFill>
                     <a:srgbClr val="000000"/>
                   </a:solidFill>
@@ -1164,7 +1161,7 @@
             </a:ln>
             <a:extLst>
               <a:ext uri="{91240B29-F687-4f45-9708-019B960494DF}">
-                <a14:hiddenLine xmlns="" xmlns:a14="http://schemas.microsoft.com/office/drawing/2010/main" w="9525">
+                <a14:hiddenLine xmlns:a14="http://schemas.microsoft.com/office/drawing/2010/main" xmlns="" w="9525">
                   <a:solidFill>
                     <a:srgbClr val="000000"/>
                   </a:solidFill>
@@ -1226,7 +1223,7 @@
             </a:ln>
             <a:extLst>
               <a:ext uri="{91240B29-F687-4f45-9708-019B960494DF}">
-                <a14:hiddenLine xmlns="" xmlns:a14="http://schemas.microsoft.com/office/drawing/2010/main" w="9525">
+                <a14:hiddenLine xmlns:a14="http://schemas.microsoft.com/office/drawing/2010/main" xmlns="" w="9525">
                   <a:solidFill>
                     <a:srgbClr val="000000"/>
                   </a:solidFill>
@@ -1316,7 +1313,7 @@
             </a:ln>
             <a:extLst>
               <a:ext uri="{91240B29-F687-4f45-9708-019B960494DF}">
-                <a14:hiddenLine xmlns="" xmlns:a14="http://schemas.microsoft.com/office/drawing/2010/main" w="9525">
+                <a14:hiddenLine xmlns:a14="http://schemas.microsoft.com/office/drawing/2010/main" xmlns="" w="9525">
                   <a:solidFill>
                     <a:srgbClr val="000000"/>
                   </a:solidFill>
@@ -1378,7 +1375,7 @@
             </a:ln>
             <a:extLst>
               <a:ext uri="{91240B29-F687-4f45-9708-019B960494DF}">
-                <a14:hiddenLine xmlns="" xmlns:a14="http://schemas.microsoft.com/office/drawing/2010/main" w="9525">
+                <a14:hiddenLine xmlns:a14="http://schemas.microsoft.com/office/drawing/2010/main" xmlns="" w="9525">
                   <a:solidFill>
                     <a:srgbClr val="000000"/>
                   </a:solidFill>
@@ -1440,7 +1437,7 @@
             </a:ln>
             <a:extLst>
               <a:ext uri="{91240B29-F687-4f45-9708-019B960494DF}">
-                <a14:hiddenLine xmlns="" xmlns:a14="http://schemas.microsoft.com/office/drawing/2010/main" w="9525">
+                <a14:hiddenLine xmlns:a14="http://schemas.microsoft.com/office/drawing/2010/main" xmlns="" w="9525">
                   <a:solidFill>
                     <a:srgbClr val="000000"/>
                   </a:solidFill>
@@ -1530,7 +1527,7 @@
             </a:ln>
             <a:extLst>
               <a:ext uri="{91240B29-F687-4f45-9708-019B960494DF}">
-                <a14:hiddenLine xmlns="" xmlns:a14="http://schemas.microsoft.com/office/drawing/2010/main" w="9525">
+                <a14:hiddenLine xmlns:a14="http://schemas.microsoft.com/office/drawing/2010/main" xmlns="" w="9525">
                   <a:solidFill>
                     <a:srgbClr val="000000"/>
                   </a:solidFill>
@@ -1620,7 +1617,7 @@
             </a:ln>
             <a:extLst>
               <a:ext uri="{91240B29-F687-4f45-9708-019B960494DF}">
-                <a14:hiddenLine xmlns="" xmlns:a14="http://schemas.microsoft.com/office/drawing/2010/main" w="9525">
+                <a14:hiddenLine xmlns:a14="http://schemas.microsoft.com/office/drawing/2010/main" xmlns="" w="9525">
                   <a:solidFill>
                     <a:srgbClr val="000000"/>
                   </a:solidFill>
@@ -1682,7 +1679,7 @@
             </a:ln>
             <a:extLst>
               <a:ext uri="{91240B29-F687-4f45-9708-019B960494DF}">
-                <a14:hiddenLine xmlns="" xmlns:a14="http://schemas.microsoft.com/office/drawing/2010/main" w="9525">
+                <a14:hiddenLine xmlns:a14="http://schemas.microsoft.com/office/drawing/2010/main" xmlns="" w="9525">
                   <a:solidFill>
                     <a:srgbClr val="000000"/>
                   </a:solidFill>
@@ -1792,7 +1789,7 @@
             </a:ln>
             <a:extLst>
               <a:ext uri="{91240B29-F687-4f45-9708-019B960494DF}">
-                <a14:hiddenLine xmlns="" xmlns:a14="http://schemas.microsoft.com/office/drawing/2010/main" w="9525">
+                <a14:hiddenLine xmlns:a14="http://schemas.microsoft.com/office/drawing/2010/main" xmlns="" w="9525">
                   <a:solidFill>
                     <a:srgbClr val="000000"/>
                   </a:solidFill>
@@ -1854,7 +1851,7 @@
             </a:ln>
             <a:extLst>
               <a:ext uri="{91240B29-F687-4f45-9708-019B960494DF}">
-                <a14:hiddenLine xmlns="" xmlns:a14="http://schemas.microsoft.com/office/drawing/2010/main" w="9525">
+                <a14:hiddenLine xmlns:a14="http://schemas.microsoft.com/office/drawing/2010/main" xmlns="" w="9525">
                   <a:solidFill>
                     <a:srgbClr val="000000"/>
                   </a:solidFill>
@@ -1944,7 +1941,7 @@
             </a:ln>
             <a:extLst>
               <a:ext uri="{91240B29-F687-4f45-9708-019B960494DF}">
-                <a14:hiddenLine xmlns="" xmlns:a14="http://schemas.microsoft.com/office/drawing/2010/main" w="9525">
+                <a14:hiddenLine xmlns:a14="http://schemas.microsoft.com/office/drawing/2010/main" xmlns="" w="9525">
                   <a:solidFill>
                     <a:srgbClr val="000000"/>
                   </a:solidFill>
@@ -2034,7 +2031,7 @@
             </a:ln>
             <a:extLst>
               <a:ext uri="{91240B29-F687-4f45-9708-019B960494DF}">
-                <a14:hiddenLine xmlns="" xmlns:a14="http://schemas.microsoft.com/office/drawing/2010/main" w="9525">
+                <a14:hiddenLine xmlns:a14="http://schemas.microsoft.com/office/drawing/2010/main" xmlns="" w="9525">
                   <a:solidFill>
                     <a:srgbClr val="000000"/>
                   </a:solidFill>
@@ -2096,7 +2093,7 @@
             </a:ln>
             <a:extLst>
               <a:ext uri="{91240B29-F687-4f45-9708-019B960494DF}">
-                <a14:hiddenLine xmlns="" xmlns:a14="http://schemas.microsoft.com/office/drawing/2010/main" w="9525">
+                <a14:hiddenLine xmlns:a14="http://schemas.microsoft.com/office/drawing/2010/main" xmlns="" w="9525">
                   <a:solidFill>
                     <a:srgbClr val="000000"/>
                   </a:solidFill>
@@ -2186,7 +2183,7 @@
             </a:ln>
             <a:extLst>
               <a:ext uri="{91240B29-F687-4f45-9708-019B960494DF}">
-                <a14:hiddenLine xmlns="" xmlns:a14="http://schemas.microsoft.com/office/drawing/2010/main" w="9525">
+                <a14:hiddenLine xmlns:a14="http://schemas.microsoft.com/office/drawing/2010/main" xmlns="" w="9525">
                   <a:solidFill>
                     <a:srgbClr val="000000"/>
                   </a:solidFill>
@@ -2276,7 +2273,7 @@
             </a:ln>
             <a:extLst>
               <a:ext uri="{91240B29-F687-4f45-9708-019B960494DF}">
-                <a14:hiddenLine xmlns="" xmlns:a14="http://schemas.microsoft.com/office/drawing/2010/main" w="9525">
+                <a14:hiddenLine xmlns:a14="http://schemas.microsoft.com/office/drawing/2010/main" xmlns="" w="9525">
                   <a:solidFill>
                     <a:srgbClr val="000000"/>
                   </a:solidFill>
@@ -2332,7 +2329,7 @@
             </a:ln>
             <a:extLst>
               <a:ext uri="{91240B29-F687-4f45-9708-019B960494DF}">
-                <a14:hiddenLine xmlns="" xmlns:a14="http://schemas.microsoft.com/office/drawing/2010/main" w="9525">
+                <a14:hiddenLine xmlns:a14="http://schemas.microsoft.com/office/drawing/2010/main" xmlns="" w="9525">
                   <a:solidFill>
                     <a:srgbClr val="000000"/>
                   </a:solidFill>
@@ -2422,7 +2419,7 @@
             </a:ln>
             <a:extLst>
               <a:ext uri="{91240B29-F687-4f45-9708-019B960494DF}">
-                <a14:hiddenLine xmlns="" xmlns:a14="http://schemas.microsoft.com/office/drawing/2010/main" w="9525">
+                <a14:hiddenLine xmlns:a14="http://schemas.microsoft.com/office/drawing/2010/main" xmlns="" w="9525">
                   <a:solidFill>
                     <a:srgbClr val="000000"/>
                   </a:solidFill>
@@ -2478,7 +2475,7 @@
             </a:ln>
             <a:extLst>
               <a:ext uri="{91240B29-F687-4f45-9708-019B960494DF}">
-                <a14:hiddenLine xmlns="" xmlns:a14="http://schemas.microsoft.com/office/drawing/2010/main" w="9525">
+                <a14:hiddenLine xmlns:a14="http://schemas.microsoft.com/office/drawing/2010/main" xmlns="" w="9525">
                   <a:solidFill>
                     <a:srgbClr val="000000"/>
                   </a:solidFill>
@@ -2568,7 +2565,7 @@
             </a:ln>
             <a:extLst>
               <a:ext uri="{91240B29-F687-4f45-9708-019B960494DF}">
-                <a14:hiddenLine xmlns="" xmlns:a14="http://schemas.microsoft.com/office/drawing/2010/main" w="9525">
+                <a14:hiddenLine xmlns:a14="http://schemas.microsoft.com/office/drawing/2010/main" xmlns="" w="9525">
                   <a:solidFill>
                     <a:srgbClr val="000000"/>
                   </a:solidFill>
@@ -2636,7 +2633,7 @@
             </a:ln>
             <a:extLst>
               <a:ext uri="{91240B29-F687-4f45-9708-019B960494DF}">
-                <a14:hiddenLine xmlns="" xmlns:a14="http://schemas.microsoft.com/office/drawing/2010/main" w="9525">
+                <a14:hiddenLine xmlns:a14="http://schemas.microsoft.com/office/drawing/2010/main" xmlns="" w="9525">
                   <a:solidFill>
                     <a:srgbClr val="000000"/>
                   </a:solidFill>
@@ -2726,7 +2723,7 @@
             </a:ln>
             <a:extLst>
               <a:ext uri="{91240B29-F687-4f45-9708-019B960494DF}">
-                <a14:hiddenLine xmlns="" xmlns:a14="http://schemas.microsoft.com/office/drawing/2010/main" w="9525">
+                <a14:hiddenLine xmlns:a14="http://schemas.microsoft.com/office/drawing/2010/main" xmlns="" w="9525">
                   <a:solidFill>
                     <a:srgbClr val="000000"/>
                   </a:solidFill>
@@ -2794,7 +2791,7 @@
             </a:ln>
             <a:extLst>
               <a:ext uri="{91240B29-F687-4f45-9708-019B960494DF}">
-                <a14:hiddenLine xmlns="" xmlns:a14="http://schemas.microsoft.com/office/drawing/2010/main" w="9525">
+                <a14:hiddenLine xmlns:a14="http://schemas.microsoft.com/office/drawing/2010/main" xmlns="" w="9525">
                   <a:solidFill>
                     <a:srgbClr val="000000"/>
                   </a:solidFill>
@@ -2884,7 +2881,7 @@
             </a:ln>
             <a:extLst>
               <a:ext uri="{91240B29-F687-4f45-9708-019B960494DF}">
-                <a14:hiddenLine xmlns="" xmlns:a14="http://schemas.microsoft.com/office/drawing/2010/main" w="9525">
+                <a14:hiddenLine xmlns:a14="http://schemas.microsoft.com/office/drawing/2010/main" xmlns="" w="9525">
                   <a:solidFill>
                     <a:srgbClr val="000000"/>
                   </a:solidFill>
@@ -2918,7 +2915,7 @@
             </a:ln>
             <a:extLst>
               <a:ext uri="{91240B29-F687-4f45-9708-019B960494DF}">
-                <a14:hiddenLine xmlns="" xmlns:a14="http://schemas.microsoft.com/office/drawing/2010/main" w="9525">
+                <a14:hiddenLine xmlns:a14="http://schemas.microsoft.com/office/drawing/2010/main" xmlns="" w="9525">
                   <a:solidFill>
                     <a:srgbClr val="000000"/>
                   </a:solidFill>
@@ -3008,7 +3005,7 @@
             </a:ln>
             <a:extLst>
               <a:ext uri="{91240B29-F687-4f45-9708-019B960494DF}">
-                <a14:hiddenLine xmlns="" xmlns:a14="http://schemas.microsoft.com/office/drawing/2010/main" w="9525">
+                <a14:hiddenLine xmlns:a14="http://schemas.microsoft.com/office/drawing/2010/main" xmlns="" w="9525">
                   <a:solidFill>
                     <a:srgbClr val="000000"/>
                   </a:solidFill>
@@ -3070,7 +3067,7 @@
             </a:ln>
             <a:extLst>
               <a:ext uri="{91240B29-F687-4f45-9708-019B960494DF}">
-                <a14:hiddenLine xmlns="" xmlns:a14="http://schemas.microsoft.com/office/drawing/2010/main" w="9525">
+                <a14:hiddenLine xmlns:a14="http://schemas.microsoft.com/office/drawing/2010/main" xmlns="" w="9525">
                   <a:solidFill>
                     <a:srgbClr val="000000"/>
                   </a:solidFill>
@@ -3132,7 +3129,7 @@
             </a:ln>
             <a:extLst>
               <a:ext uri="{91240B29-F687-4f45-9708-019B960494DF}">
-                <a14:hiddenLine xmlns="" xmlns:a14="http://schemas.microsoft.com/office/drawing/2010/main" w="9525">
+                <a14:hiddenLine xmlns:a14="http://schemas.microsoft.com/office/drawing/2010/main" xmlns="" w="9525">
                   <a:solidFill>
                     <a:srgbClr val="000000"/>
                   </a:solidFill>
@@ -3222,7 +3219,7 @@
             </a:ln>
             <a:extLst>
               <a:ext uri="{91240B29-F687-4f45-9708-019B960494DF}">
-                <a14:hiddenLine xmlns="" xmlns:a14="http://schemas.microsoft.com/office/drawing/2010/main" w="9525">
+                <a14:hiddenLine xmlns:a14="http://schemas.microsoft.com/office/drawing/2010/main" xmlns="" w="9525">
                   <a:solidFill>
                     <a:srgbClr val="000000"/>
                   </a:solidFill>
@@ -3290,7 +3287,7 @@
             </a:ln>
             <a:extLst>
               <a:ext uri="{91240B29-F687-4f45-9708-019B960494DF}">
-                <a14:hiddenLine xmlns="" xmlns:a14="http://schemas.microsoft.com/office/drawing/2010/main" w="9525">
+                <a14:hiddenLine xmlns:a14="http://schemas.microsoft.com/office/drawing/2010/main" xmlns="" w="9525">
                   <a:solidFill>
                     <a:srgbClr val="000000"/>
                   </a:solidFill>
@@ -3352,7 +3349,7 @@
             </a:ln>
             <a:extLst>
               <a:ext uri="{91240B29-F687-4f45-9708-019B960494DF}">
-                <a14:hiddenLine xmlns="" xmlns:a14="http://schemas.microsoft.com/office/drawing/2010/main" w="9525">
+                <a14:hiddenLine xmlns:a14="http://schemas.microsoft.com/office/drawing/2010/main" xmlns="" w="9525">
                   <a:solidFill>
                     <a:srgbClr val="000000"/>
                   </a:solidFill>
@@ -3442,7 +3439,7 @@
             </a:ln>
             <a:extLst>
               <a:ext uri="{91240B29-F687-4f45-9708-019B960494DF}">
-                <a14:hiddenLine xmlns="" xmlns:a14="http://schemas.microsoft.com/office/drawing/2010/main" w="9525">
+                <a14:hiddenLine xmlns:a14="http://schemas.microsoft.com/office/drawing/2010/main" xmlns="" w="9525">
                   <a:solidFill>
                     <a:srgbClr val="000000"/>
                   </a:solidFill>
@@ -3504,7 +3501,7 @@
             </a:ln>
             <a:extLst>
               <a:ext uri="{91240B29-F687-4f45-9708-019B960494DF}">
-                <a14:hiddenLine xmlns="" xmlns:a14="http://schemas.microsoft.com/office/drawing/2010/main" w="9525">
+                <a14:hiddenLine xmlns:a14="http://schemas.microsoft.com/office/drawing/2010/main" xmlns="" w="9525">
                   <a:solidFill>
                     <a:srgbClr val="000000"/>
                   </a:solidFill>
@@ -3594,7 +3591,7 @@
             </a:ln>
             <a:extLst>
               <a:ext uri="{91240B29-F687-4f45-9708-019B960494DF}">
-                <a14:hiddenLine xmlns="" xmlns:a14="http://schemas.microsoft.com/office/drawing/2010/main" w="9525">
+                <a14:hiddenLine xmlns:a14="http://schemas.microsoft.com/office/drawing/2010/main" xmlns="" w="9525">
                   <a:solidFill>
                     <a:srgbClr val="000000"/>
                   </a:solidFill>
@@ -3656,7 +3653,7 @@
             </a:ln>
             <a:extLst>
               <a:ext uri="{91240B29-F687-4f45-9708-019B960494DF}">
-                <a14:hiddenLine xmlns="" xmlns:a14="http://schemas.microsoft.com/office/drawing/2010/main" w="9525">
+                <a14:hiddenLine xmlns:a14="http://schemas.microsoft.com/office/drawing/2010/main" xmlns="" w="9525">
                   <a:solidFill>
                     <a:srgbClr val="000000"/>
                   </a:solidFill>
@@ -3746,7 +3743,7 @@
             </a:ln>
             <a:extLst>
               <a:ext uri="{91240B29-F687-4f45-9708-019B960494DF}">
-                <a14:hiddenLine xmlns="" xmlns:a14="http://schemas.microsoft.com/office/drawing/2010/main" w="9525">
+                <a14:hiddenLine xmlns:a14="http://schemas.microsoft.com/office/drawing/2010/main" xmlns="" w="9525">
                   <a:solidFill>
                     <a:srgbClr val="000000"/>
                   </a:solidFill>
@@ -3780,7 +3777,7 @@
             </a:ln>
             <a:extLst>
               <a:ext uri="{91240B29-F687-4f45-9708-019B960494DF}">
-                <a14:hiddenLine xmlns="" xmlns:a14="http://schemas.microsoft.com/office/drawing/2010/main" w="9525">
+                <a14:hiddenLine xmlns:a14="http://schemas.microsoft.com/office/drawing/2010/main" xmlns="" w="9525">
                   <a:solidFill>
                     <a:srgbClr val="000000"/>
                   </a:solidFill>
@@ -3845,7 +3842,7 @@
             </a:ln>
             <a:extLst>
               <a:ext uri="{91240B29-F687-4f45-9708-019B960494DF}">
-                <a14:hiddenLine xmlns="" xmlns:a14="http://schemas.microsoft.com/office/drawing/2010/main" w="9525">
+                <a14:hiddenLine xmlns:a14="http://schemas.microsoft.com/office/drawing/2010/main" xmlns="" w="9525">
                   <a:solidFill>
                     <a:srgbClr val="000000"/>
                   </a:solidFill>
@@ -3935,7 +3932,7 @@
             </a:ln>
             <a:extLst>
               <a:ext uri="{91240B29-F687-4f45-9708-019B960494DF}">
-                <a14:hiddenLine xmlns="" xmlns:a14="http://schemas.microsoft.com/office/drawing/2010/main" w="9525">
+                <a14:hiddenLine xmlns:a14="http://schemas.microsoft.com/office/drawing/2010/main" xmlns="" w="9525">
                   <a:solidFill>
                     <a:srgbClr val="000000"/>
                   </a:solidFill>
@@ -3997,7 +3994,7 @@
             </a:ln>
             <a:extLst>
               <a:ext uri="{91240B29-F687-4f45-9708-019B960494DF}">
-                <a14:hiddenLine xmlns="" xmlns:a14="http://schemas.microsoft.com/office/drawing/2010/main" w="9525">
+                <a14:hiddenLine xmlns:a14="http://schemas.microsoft.com/office/drawing/2010/main" xmlns="" w="9525">
                   <a:solidFill>
                     <a:srgbClr val="000000"/>
                   </a:solidFill>
@@ -4087,7 +4084,7 @@
             </a:ln>
             <a:extLst>
               <a:ext uri="{91240B29-F687-4f45-9708-019B960494DF}">
-                <a14:hiddenLine xmlns="" xmlns:a14="http://schemas.microsoft.com/office/drawing/2010/main" w="9525">
+                <a14:hiddenLine xmlns:a14="http://schemas.microsoft.com/office/drawing/2010/main" xmlns="" w="9525">
                   <a:solidFill>
                     <a:srgbClr val="000000"/>
                   </a:solidFill>
@@ -4177,7 +4174,7 @@
             </a:ln>
             <a:extLst>
               <a:ext uri="{91240B29-F687-4f45-9708-019B960494DF}">
-                <a14:hiddenLine xmlns="" xmlns:a14="http://schemas.microsoft.com/office/drawing/2010/main" w="9525">
+                <a14:hiddenLine xmlns:a14="http://schemas.microsoft.com/office/drawing/2010/main" xmlns="" w="9525">
                   <a:solidFill>
                     <a:srgbClr val="000000"/>
                   </a:solidFill>
@@ -4242,7 +4239,7 @@
             </a:ln>
             <a:extLst>
               <a:ext uri="{91240B29-F687-4f45-9708-019B960494DF}">
-                <a14:hiddenLine xmlns="" xmlns:a14="http://schemas.microsoft.com/office/drawing/2010/main" w="9525">
+                <a14:hiddenLine xmlns:a14="http://schemas.microsoft.com/office/drawing/2010/main" xmlns="" w="9525">
                   <a:solidFill>
                     <a:srgbClr val="000000"/>
                   </a:solidFill>
@@ -4304,7 +4301,7 @@
             </a:ln>
             <a:extLst>
               <a:ext uri="{91240B29-F687-4f45-9708-019B960494DF}">
-                <a14:hiddenLine xmlns="" xmlns:a14="http://schemas.microsoft.com/office/drawing/2010/main" w="9525">
+                <a14:hiddenLine xmlns:a14="http://schemas.microsoft.com/office/drawing/2010/main" xmlns="" w="9525">
                   <a:solidFill>
                     <a:srgbClr val="000000"/>
                   </a:solidFill>
@@ -4394,7 +4391,7 @@
             </a:ln>
             <a:extLst>
               <a:ext uri="{91240B29-F687-4f45-9708-019B960494DF}">
-                <a14:hiddenLine xmlns="" xmlns:a14="http://schemas.microsoft.com/office/drawing/2010/main" w="9525">
+                <a14:hiddenLine xmlns:a14="http://schemas.microsoft.com/office/drawing/2010/main" xmlns="" w="9525">
                   <a:solidFill>
                     <a:srgbClr val="000000"/>
                   </a:solidFill>
@@ -4484,7 +4481,7 @@
             </a:ln>
             <a:extLst>
               <a:ext uri="{91240B29-F687-4f45-9708-019B960494DF}">
-                <a14:hiddenLine xmlns="" xmlns:a14="http://schemas.microsoft.com/office/drawing/2010/main" w="9525">
+                <a14:hiddenLine xmlns:a14="http://schemas.microsoft.com/office/drawing/2010/main" xmlns="" w="9525">
                   <a:solidFill>
                     <a:srgbClr val="000000"/>
                   </a:solidFill>
@@ -4546,7 +4543,7 @@
             </a:ln>
             <a:extLst>
               <a:ext uri="{91240B29-F687-4f45-9708-019B960494DF}">
-                <a14:hiddenLine xmlns="" xmlns:a14="http://schemas.microsoft.com/office/drawing/2010/main" w="9525">
+                <a14:hiddenLine xmlns:a14="http://schemas.microsoft.com/office/drawing/2010/main" xmlns="" w="9525">
                   <a:solidFill>
                     <a:srgbClr val="000000"/>
                   </a:solidFill>
@@ -4666,7 +4663,7 @@
             </a:ln>
             <a:extLst>
               <a:ext uri="{91240B29-F687-4f45-9708-019B960494DF}">
-                <a14:hiddenLine xmlns="" xmlns:a14="http://schemas.microsoft.com/office/drawing/2010/main" w="9525">
+                <a14:hiddenLine xmlns:a14="http://schemas.microsoft.com/office/drawing/2010/main" xmlns="" w="9525">
                   <a:solidFill>
                     <a:srgbClr val="000000"/>
                   </a:solidFill>
@@ -4734,7 +4731,7 @@
             </a:ln>
             <a:extLst>
               <a:ext uri="{91240B29-F687-4f45-9708-019B960494DF}">
-                <a14:hiddenLine xmlns="" xmlns:a14="http://schemas.microsoft.com/office/drawing/2010/main" w="9525">
+                <a14:hiddenLine xmlns:a14="http://schemas.microsoft.com/office/drawing/2010/main" xmlns="" w="9525">
                   <a:solidFill>
                     <a:srgbClr val="000000"/>
                   </a:solidFill>
@@ -4824,7 +4821,7 @@
             </a:ln>
             <a:extLst>
               <a:ext uri="{91240B29-F687-4f45-9708-019B960494DF}">
-                <a14:hiddenLine xmlns="" xmlns:a14="http://schemas.microsoft.com/office/drawing/2010/main" w="9525">
+                <a14:hiddenLine xmlns:a14="http://schemas.microsoft.com/office/drawing/2010/main" xmlns="" w="9525">
                   <a:solidFill>
                     <a:srgbClr val="000000"/>
                   </a:solidFill>
@@ -4964,7 +4961,7 @@
           <a:p>
             <a:fld id="{48A87A34-81AB-432B-8DAE-1953F412C126}" type="datetimeFigureOut">
               <a:rPr lang="en-US" smtClean="0"/>
-              <a:t>6/18/2020</a:t>
+              <a:t>6/22/2020</a:t>
             </a:fld>
             <a:endParaRPr lang="en-US" dirty="0"/>
           </a:p>
@@ -5231,7 +5228,7 @@
           <a:p>
             <a:fld id="{48A87A34-81AB-432B-8DAE-1953F412C126}" type="datetimeFigureOut">
               <a:rPr lang="en-US" smtClean="0"/>
-              <a:t>6/18/2020</a:t>
+              <a:t>6/22/2020</a:t>
             </a:fld>
             <a:endParaRPr lang="en-US" dirty="0"/>
           </a:p>
@@ -5427,7 +5424,7 @@
           <a:p>
             <a:fld id="{48A87A34-81AB-432B-8DAE-1953F412C126}" type="datetimeFigureOut">
               <a:rPr lang="en-US" smtClean="0"/>
-              <a:t>6/18/2020</a:t>
+              <a:t>6/22/2020</a:t>
             </a:fld>
             <a:endParaRPr lang="en-US" dirty="0"/>
           </a:p>
@@ -5690,7 +5687,7 @@
           <a:p>
             <a:fld id="{48A87A34-81AB-432B-8DAE-1953F412C126}" type="datetimeFigureOut">
               <a:rPr lang="en-US" smtClean="0"/>
-              <a:t>6/18/2020</a:t>
+              <a:t>6/22/2020</a:t>
             </a:fld>
             <a:endParaRPr lang="en-US" dirty="0"/>
           </a:p>
@@ -6124,7 +6121,7 @@
           <a:p>
             <a:fld id="{48A87A34-81AB-432B-8DAE-1953F412C126}" type="datetimeFigureOut">
               <a:rPr lang="en-US" smtClean="0"/>
-              <a:t>6/18/2020</a:t>
+              <a:t>6/22/2020</a:t>
             </a:fld>
             <a:endParaRPr lang="en-US" dirty="0"/>
           </a:p>
@@ -6670,7 +6667,7 @@
           <a:p>
             <a:fld id="{48A87A34-81AB-432B-8DAE-1953F412C126}" type="datetimeFigureOut">
               <a:rPr lang="en-US" smtClean="0"/>
-              <a:t>6/18/2020</a:t>
+              <a:t>6/22/2020</a:t>
             </a:fld>
             <a:endParaRPr lang="en-US" dirty="0"/>
           </a:p>
@@ -7390,7 +7387,7 @@
           <a:p>
             <a:fld id="{48A87A34-81AB-432B-8DAE-1953F412C126}" type="datetimeFigureOut">
               <a:rPr lang="en-US" smtClean="0"/>
-              <a:t>6/18/2020</a:t>
+              <a:t>6/22/2020</a:t>
             </a:fld>
             <a:endParaRPr lang="en-US" dirty="0"/>
           </a:p>
@@ -7560,7 +7557,7 @@
           <a:p>
             <a:fld id="{48A87A34-81AB-432B-8DAE-1953F412C126}" type="datetimeFigureOut">
               <a:rPr lang="en-US" smtClean="0"/>
-              <a:t>6/18/2020</a:t>
+              <a:t>6/22/2020</a:t>
             </a:fld>
             <a:endParaRPr lang="en-US" dirty="0"/>
           </a:p>
@@ -7740,7 +7737,7 @@
           <a:p>
             <a:fld id="{48A87A34-81AB-432B-8DAE-1953F412C126}" type="datetimeFigureOut">
               <a:rPr lang="en-US" smtClean="0"/>
-              <a:t>6/18/2020</a:t>
+              <a:t>6/22/2020</a:t>
             </a:fld>
             <a:endParaRPr lang="en-US" dirty="0"/>
           </a:p>
@@ -7910,7 +7907,7 @@
           <a:p>
             <a:fld id="{48A87A34-81AB-432B-8DAE-1953F412C126}" type="datetimeFigureOut">
               <a:rPr lang="en-US" smtClean="0"/>
-              <a:t>6/18/2020</a:t>
+              <a:t>6/22/2020</a:t>
             </a:fld>
             <a:endParaRPr lang="en-US" dirty="0"/>
           </a:p>
@@ -8160,7 +8157,7 @@
           <a:p>
             <a:fld id="{48A87A34-81AB-432B-8DAE-1953F412C126}" type="datetimeFigureOut">
               <a:rPr lang="en-US" smtClean="0"/>
-              <a:t>6/18/2020</a:t>
+              <a:t>6/22/2020</a:t>
             </a:fld>
             <a:endParaRPr lang="en-US" dirty="0"/>
           </a:p>
@@ -8392,7 +8389,7 @@
           <a:p>
             <a:fld id="{48A87A34-81AB-432B-8DAE-1953F412C126}" type="datetimeFigureOut">
               <a:rPr lang="en-US" smtClean="0"/>
-              <a:t>6/18/2020</a:t>
+              <a:t>6/22/2020</a:t>
             </a:fld>
             <a:endParaRPr lang="en-US" dirty="0"/>
           </a:p>
@@ -8773,7 +8770,7 @@
           <a:p>
             <a:fld id="{48A87A34-81AB-432B-8DAE-1953F412C126}" type="datetimeFigureOut">
               <a:rPr lang="en-US" smtClean="0"/>
-              <a:t>6/18/2020</a:t>
+              <a:t>6/22/2020</a:t>
             </a:fld>
             <a:endParaRPr lang="en-US" dirty="0"/>
           </a:p>
@@ -8891,7 +8888,7 @@
           <a:p>
             <a:fld id="{48A87A34-81AB-432B-8DAE-1953F412C126}" type="datetimeFigureOut">
               <a:rPr lang="en-US" smtClean="0"/>
-              <a:t>6/18/2020</a:t>
+              <a:t>6/22/2020</a:t>
             </a:fld>
             <a:endParaRPr lang="en-US" dirty="0"/>
           </a:p>
@@ -8986,7 +8983,7 @@
           <a:p>
             <a:fld id="{48A87A34-81AB-432B-8DAE-1953F412C126}" type="datetimeFigureOut">
               <a:rPr lang="en-US" smtClean="0"/>
-              <a:t>6/18/2020</a:t>
+              <a:t>6/22/2020</a:t>
             </a:fld>
             <a:endParaRPr lang="en-US" dirty="0"/>
           </a:p>
@@ -9235,7 +9232,7 @@
           <a:p>
             <a:fld id="{48A87A34-81AB-432B-8DAE-1953F412C126}" type="datetimeFigureOut">
               <a:rPr lang="en-US" smtClean="0"/>
-              <a:t>6/18/2020</a:t>
+              <a:t>6/22/2020</a:t>
             </a:fld>
             <a:endParaRPr lang="en-US" dirty="0"/>
           </a:p>
@@ -9515,7 +9512,7 @@
           <a:p>
             <a:fld id="{48A87A34-81AB-432B-8DAE-1953F412C126}" type="datetimeFigureOut">
               <a:rPr lang="en-US" smtClean="0"/>
-              <a:t>6/18/2020</a:t>
+              <a:t>6/22/2020</a:t>
             </a:fld>
             <a:endParaRPr lang="en-US" dirty="0"/>
           </a:p>
@@ -9638,7 +9635,7 @@
           <a:noFill/>
           <a:extLst>
             <a:ext uri="{909E8E84-426E-40dd-AFC4-6F175D3DCCD1}">
-              <a14:hiddenFill xmlns="" xmlns:a14="http://schemas.microsoft.com/office/drawing/2010/main">
+              <a14:hiddenFill xmlns:a14="http://schemas.microsoft.com/office/drawing/2010/main" xmlns="">
                 <a:solidFill>
                   <a:srgbClr val="FFFFFF"/>
                 </a:solidFill>
@@ -9712,7 +9709,7 @@
               </a:ln>
               <a:extLst>
                 <a:ext uri="{91240B29-F687-4f45-9708-019B960494DF}">
-                  <a14:hiddenLine xmlns="" xmlns:a14="http://schemas.microsoft.com/office/drawing/2010/main" w="9525">
+                  <a14:hiddenLine xmlns:a14="http://schemas.microsoft.com/office/drawing/2010/main" xmlns="" w="9525">
                     <a:solidFill>
                       <a:srgbClr val="000000"/>
                     </a:solidFill>
@@ -9802,7 +9799,7 @@
               </a:ln>
               <a:extLst>
                 <a:ext uri="{91240B29-F687-4f45-9708-019B960494DF}">
-                  <a14:hiddenLine xmlns="" xmlns:a14="http://schemas.microsoft.com/office/drawing/2010/main" w="9525">
+                  <a14:hiddenLine xmlns:a14="http://schemas.microsoft.com/office/drawing/2010/main" xmlns="" w="9525">
                     <a:solidFill>
                       <a:srgbClr val="000000"/>
                     </a:solidFill>
@@ -9892,7 +9889,7 @@
               </a:ln>
               <a:extLst>
                 <a:ext uri="{91240B29-F687-4f45-9708-019B960494DF}">
-                  <a14:hiddenLine xmlns="" xmlns:a14="http://schemas.microsoft.com/office/drawing/2010/main" w="9525">
+                  <a14:hiddenLine xmlns:a14="http://schemas.microsoft.com/office/drawing/2010/main" xmlns="" w="9525">
                     <a:solidFill>
                       <a:srgbClr val="000000"/>
                     </a:solidFill>
@@ -9954,7 +9951,7 @@
               </a:ln>
               <a:extLst>
                 <a:ext uri="{91240B29-F687-4f45-9708-019B960494DF}">
-                  <a14:hiddenLine xmlns="" xmlns:a14="http://schemas.microsoft.com/office/drawing/2010/main" w="9525">
+                  <a14:hiddenLine xmlns:a14="http://schemas.microsoft.com/office/drawing/2010/main" xmlns="" w="9525">
                     <a:solidFill>
                       <a:srgbClr val="000000"/>
                     </a:solidFill>
@@ -10044,7 +10041,7 @@
               </a:ln>
               <a:extLst>
                 <a:ext uri="{91240B29-F687-4f45-9708-019B960494DF}">
-                  <a14:hiddenLine xmlns="" xmlns:a14="http://schemas.microsoft.com/office/drawing/2010/main" w="9525">
+                  <a14:hiddenLine xmlns:a14="http://schemas.microsoft.com/office/drawing/2010/main" xmlns="" w="9525">
                     <a:solidFill>
                       <a:srgbClr val="000000"/>
                     </a:solidFill>
@@ -10106,7 +10103,7 @@
               </a:ln>
               <a:extLst>
                 <a:ext uri="{91240B29-F687-4f45-9708-019B960494DF}">
-                  <a14:hiddenLine xmlns="" xmlns:a14="http://schemas.microsoft.com/office/drawing/2010/main" w="9525">
+                  <a14:hiddenLine xmlns:a14="http://schemas.microsoft.com/office/drawing/2010/main" xmlns="" w="9525">
                     <a:solidFill>
                       <a:srgbClr val="000000"/>
                     </a:solidFill>
@@ -10168,7 +10165,7 @@
               </a:ln>
               <a:extLst>
                 <a:ext uri="{91240B29-F687-4f45-9708-019B960494DF}">
-                  <a14:hiddenLine xmlns="" xmlns:a14="http://schemas.microsoft.com/office/drawing/2010/main" w="9525">
+                  <a14:hiddenLine xmlns:a14="http://schemas.microsoft.com/office/drawing/2010/main" xmlns="" w="9525">
                     <a:solidFill>
                       <a:srgbClr val="000000"/>
                     </a:solidFill>
@@ -10258,7 +10255,7 @@
               </a:ln>
               <a:extLst>
                 <a:ext uri="{91240B29-F687-4f45-9708-019B960494DF}">
-                  <a14:hiddenLine xmlns="" xmlns:a14="http://schemas.microsoft.com/office/drawing/2010/main" w="9525">
+                  <a14:hiddenLine xmlns:a14="http://schemas.microsoft.com/office/drawing/2010/main" xmlns="" w="9525">
                     <a:solidFill>
                       <a:srgbClr val="000000"/>
                     </a:solidFill>
@@ -10348,7 +10345,7 @@
               </a:ln>
               <a:extLst>
                 <a:ext uri="{91240B29-F687-4f45-9708-019B960494DF}">
-                  <a14:hiddenLine xmlns="" xmlns:a14="http://schemas.microsoft.com/office/drawing/2010/main" w="9525">
+                  <a14:hiddenLine xmlns:a14="http://schemas.microsoft.com/office/drawing/2010/main" xmlns="" w="9525">
                     <a:solidFill>
                       <a:srgbClr val="000000"/>
                     </a:solidFill>
@@ -10410,7 +10407,7 @@
               </a:ln>
               <a:extLst>
                 <a:ext uri="{91240B29-F687-4f45-9708-019B960494DF}">
-                  <a14:hiddenLine xmlns="" xmlns:a14="http://schemas.microsoft.com/office/drawing/2010/main" w="9525">
+                  <a14:hiddenLine xmlns:a14="http://schemas.microsoft.com/office/drawing/2010/main" xmlns="" w="9525">
                     <a:solidFill>
                       <a:srgbClr val="000000"/>
                     </a:solidFill>
@@ -10520,7 +10517,7 @@
               </a:ln>
               <a:extLst>
                 <a:ext uri="{91240B29-F687-4f45-9708-019B960494DF}">
-                  <a14:hiddenLine xmlns="" xmlns:a14="http://schemas.microsoft.com/office/drawing/2010/main" w="9525">
+                  <a14:hiddenLine xmlns:a14="http://schemas.microsoft.com/office/drawing/2010/main" xmlns="" w="9525">
                     <a:solidFill>
                       <a:srgbClr val="000000"/>
                     </a:solidFill>
@@ -10604,7 +10601,7 @@
               </a:ln>
               <a:extLst>
                 <a:ext uri="{91240B29-F687-4f45-9708-019B960494DF}">
-                  <a14:hiddenLine xmlns="" xmlns:a14="http://schemas.microsoft.com/office/drawing/2010/main" w="9525">
+                  <a14:hiddenLine xmlns:a14="http://schemas.microsoft.com/office/drawing/2010/main" xmlns="" w="9525">
                     <a:solidFill>
                       <a:srgbClr val="000000"/>
                     </a:solidFill>
@@ -10666,7 +10663,7 @@
               </a:ln>
               <a:extLst>
                 <a:ext uri="{91240B29-F687-4f45-9708-019B960494DF}">
-                  <a14:hiddenLine xmlns="" xmlns:a14="http://schemas.microsoft.com/office/drawing/2010/main" w="9525">
+                  <a14:hiddenLine xmlns:a14="http://schemas.microsoft.com/office/drawing/2010/main" xmlns="" w="9525">
                     <a:solidFill>
                       <a:srgbClr val="000000"/>
                     </a:solidFill>
@@ -10728,7 +10725,7 @@
               </a:ln>
               <a:extLst>
                 <a:ext uri="{91240B29-F687-4f45-9708-019B960494DF}">
-                  <a14:hiddenLine xmlns="" xmlns:a14="http://schemas.microsoft.com/office/drawing/2010/main" w="9525">
+                  <a14:hiddenLine xmlns:a14="http://schemas.microsoft.com/office/drawing/2010/main" xmlns="" w="9525">
                     <a:solidFill>
                       <a:srgbClr val="000000"/>
                     </a:solidFill>
@@ -10818,7 +10815,7 @@
               </a:ln>
               <a:extLst>
                 <a:ext uri="{91240B29-F687-4f45-9708-019B960494DF}">
-                  <a14:hiddenLine xmlns="" xmlns:a14="http://schemas.microsoft.com/office/drawing/2010/main" w="9525">
+                  <a14:hiddenLine xmlns:a14="http://schemas.microsoft.com/office/drawing/2010/main" xmlns="" w="9525">
                     <a:solidFill>
                       <a:srgbClr val="000000"/>
                     </a:solidFill>
@@ -10852,7 +10849,7 @@
               </a:ln>
               <a:extLst>
                 <a:ext uri="{91240B29-F687-4f45-9708-019B960494DF}">
-                  <a14:hiddenLine xmlns="" xmlns:a14="http://schemas.microsoft.com/office/drawing/2010/main" w="9525">
+                  <a14:hiddenLine xmlns:a14="http://schemas.microsoft.com/office/drawing/2010/main" xmlns="" w="9525">
                     <a:solidFill>
                       <a:srgbClr val="000000"/>
                     </a:solidFill>
@@ -10917,7 +10914,7 @@
               </a:ln>
               <a:extLst>
                 <a:ext uri="{91240B29-F687-4f45-9708-019B960494DF}">
-                  <a14:hiddenLine xmlns="" xmlns:a14="http://schemas.microsoft.com/office/drawing/2010/main" w="9525">
+                  <a14:hiddenLine xmlns:a14="http://schemas.microsoft.com/office/drawing/2010/main" xmlns="" w="9525">
                     <a:solidFill>
                       <a:srgbClr val="000000"/>
                     </a:solidFill>
@@ -11007,7 +11004,7 @@
               </a:ln>
               <a:extLst>
                 <a:ext uri="{91240B29-F687-4f45-9708-019B960494DF}">
-                  <a14:hiddenLine xmlns="" xmlns:a14="http://schemas.microsoft.com/office/drawing/2010/main" w="9525">
+                  <a14:hiddenLine xmlns:a14="http://schemas.microsoft.com/office/drawing/2010/main" xmlns="" w="9525">
                     <a:solidFill>
                       <a:srgbClr val="000000"/>
                     </a:solidFill>
@@ -11069,7 +11066,7 @@
               </a:ln>
               <a:extLst>
                 <a:ext uri="{91240B29-F687-4f45-9708-019B960494DF}">
-                  <a14:hiddenLine xmlns="" xmlns:a14="http://schemas.microsoft.com/office/drawing/2010/main" w="9525">
+                  <a14:hiddenLine xmlns:a14="http://schemas.microsoft.com/office/drawing/2010/main" xmlns="" w="9525">
                     <a:solidFill>
                       <a:srgbClr val="000000"/>
                     </a:solidFill>
@@ -11159,7 +11156,7 @@
               </a:ln>
               <a:extLst>
                 <a:ext uri="{91240B29-F687-4f45-9708-019B960494DF}">
-                  <a14:hiddenLine xmlns="" xmlns:a14="http://schemas.microsoft.com/office/drawing/2010/main" w="9525">
+                  <a14:hiddenLine xmlns:a14="http://schemas.microsoft.com/office/drawing/2010/main" xmlns="" w="9525">
                     <a:solidFill>
                       <a:srgbClr val="000000"/>
                     </a:solidFill>
@@ -11224,7 +11221,7 @@
               </a:ln>
               <a:extLst>
                 <a:ext uri="{91240B29-F687-4f45-9708-019B960494DF}">
-                  <a14:hiddenLine xmlns="" xmlns:a14="http://schemas.microsoft.com/office/drawing/2010/main" w="9525">
+                  <a14:hiddenLine xmlns:a14="http://schemas.microsoft.com/office/drawing/2010/main" xmlns="" w="9525">
                     <a:solidFill>
                       <a:srgbClr val="000000"/>
                     </a:solidFill>
@@ -11286,7 +11283,7 @@
               </a:ln>
               <a:extLst>
                 <a:ext uri="{91240B29-F687-4f45-9708-019B960494DF}">
-                  <a14:hiddenLine xmlns="" xmlns:a14="http://schemas.microsoft.com/office/drawing/2010/main" w="9525">
+                  <a14:hiddenLine xmlns:a14="http://schemas.microsoft.com/office/drawing/2010/main" xmlns="" w="9525">
                     <a:solidFill>
                       <a:srgbClr val="000000"/>
                     </a:solidFill>
@@ -11376,7 +11373,7 @@
               </a:ln>
               <a:extLst>
                 <a:ext uri="{91240B29-F687-4f45-9708-019B960494DF}">
-                  <a14:hiddenLine xmlns="" xmlns:a14="http://schemas.microsoft.com/office/drawing/2010/main" w="9525">
+                  <a14:hiddenLine xmlns:a14="http://schemas.microsoft.com/office/drawing/2010/main" xmlns="" w="9525">
                     <a:solidFill>
                       <a:srgbClr val="000000"/>
                     </a:solidFill>
@@ -11466,7 +11463,7 @@
               </a:ln>
               <a:extLst>
                 <a:ext uri="{91240B29-F687-4f45-9708-019B960494DF}">
-                  <a14:hiddenLine xmlns="" xmlns:a14="http://schemas.microsoft.com/office/drawing/2010/main" w="9525">
+                  <a14:hiddenLine xmlns:a14="http://schemas.microsoft.com/office/drawing/2010/main" xmlns="" w="9525">
                     <a:solidFill>
                       <a:srgbClr val="000000"/>
                     </a:solidFill>
@@ -11531,7 +11528,7 @@
               </a:ln>
               <a:extLst>
                 <a:ext uri="{91240B29-F687-4f45-9708-019B960494DF}">
-                  <a14:hiddenLine xmlns="" xmlns:a14="http://schemas.microsoft.com/office/drawing/2010/main" w="9525">
+                  <a14:hiddenLine xmlns:a14="http://schemas.microsoft.com/office/drawing/2010/main" xmlns="" w="9525">
                     <a:solidFill>
                       <a:srgbClr val="000000"/>
                     </a:solidFill>
@@ -11651,7 +11648,7 @@
               </a:ln>
               <a:extLst>
                 <a:ext uri="{91240B29-F687-4f45-9708-019B960494DF}">
-                  <a14:hiddenLine xmlns="" xmlns:a14="http://schemas.microsoft.com/office/drawing/2010/main" w="9525">
+                  <a14:hiddenLine xmlns:a14="http://schemas.microsoft.com/office/drawing/2010/main" xmlns="" w="9525">
                     <a:solidFill>
                       <a:srgbClr val="000000"/>
                     </a:solidFill>
@@ -11732,7 +11729,7 @@
               </a:ln>
               <a:extLst>
                 <a:ext uri="{91240B29-F687-4f45-9708-019B960494DF}">
-                  <a14:hiddenLine xmlns="" xmlns:a14="http://schemas.microsoft.com/office/drawing/2010/main" w="9525">
+                  <a14:hiddenLine xmlns:a14="http://schemas.microsoft.com/office/drawing/2010/main" xmlns="" w="9525">
                     <a:solidFill>
                       <a:srgbClr val="000000"/>
                     </a:solidFill>
@@ -11847,7 +11844,7 @@
               </a:ln>
               <a:extLst>
                 <a:ext uri="{91240B29-F687-4f45-9708-019B960494DF}">
-                  <a14:hiddenLine xmlns="" xmlns:a14="http://schemas.microsoft.com/office/drawing/2010/main" w="9525">
+                  <a14:hiddenLine xmlns:a14="http://schemas.microsoft.com/office/drawing/2010/main" xmlns="" w="9525">
                     <a:solidFill>
                       <a:srgbClr val="000000"/>
                     </a:solidFill>
@@ -11937,7 +11934,7 @@
               </a:ln>
               <a:extLst>
                 <a:ext uri="{91240B29-F687-4f45-9708-019B960494DF}">
-                  <a14:hiddenLine xmlns="" xmlns:a14="http://schemas.microsoft.com/office/drawing/2010/main" w="9525">
+                  <a14:hiddenLine xmlns:a14="http://schemas.microsoft.com/office/drawing/2010/main" xmlns="" w="9525">
                     <a:solidFill>
                       <a:srgbClr val="000000"/>
                     </a:solidFill>
@@ -12002,7 +11999,7 @@
               </a:ln>
               <a:extLst>
                 <a:ext uri="{91240B29-F687-4f45-9708-019B960494DF}">
-                  <a14:hiddenLine xmlns="" xmlns:a14="http://schemas.microsoft.com/office/drawing/2010/main" w="9525">
+                  <a14:hiddenLine xmlns:a14="http://schemas.microsoft.com/office/drawing/2010/main" xmlns="" w="9525">
                     <a:solidFill>
                       <a:srgbClr val="000000"/>
                     </a:solidFill>
@@ -12092,7 +12089,7 @@
               </a:ln>
               <a:extLst>
                 <a:ext uri="{91240B29-F687-4f45-9708-019B960494DF}">
-                  <a14:hiddenLine xmlns="" xmlns:a14="http://schemas.microsoft.com/office/drawing/2010/main" w="9525">
+                  <a14:hiddenLine xmlns:a14="http://schemas.microsoft.com/office/drawing/2010/main" xmlns="" w="9525">
                     <a:solidFill>
                       <a:srgbClr val="000000"/>
                     </a:solidFill>
@@ -12160,7 +12157,7 @@
               </a:ln>
               <a:extLst>
                 <a:ext uri="{91240B29-F687-4f45-9708-019B960494DF}">
-                  <a14:hiddenLine xmlns="" xmlns:a14="http://schemas.microsoft.com/office/drawing/2010/main" w="9525">
+                  <a14:hiddenLine xmlns:a14="http://schemas.microsoft.com/office/drawing/2010/main" xmlns="" w="9525">
                     <a:solidFill>
                       <a:srgbClr val="000000"/>
                     </a:solidFill>
@@ -12250,7 +12247,7 @@
               </a:ln>
               <a:extLst>
                 <a:ext uri="{91240B29-F687-4f45-9708-019B960494DF}">
-                  <a14:hiddenLine xmlns="" xmlns:a14="http://schemas.microsoft.com/office/drawing/2010/main" w="9525">
+                  <a14:hiddenLine xmlns:a14="http://schemas.microsoft.com/office/drawing/2010/main" xmlns="" w="9525">
                     <a:solidFill>
                       <a:srgbClr val="000000"/>
                     </a:solidFill>
@@ -12318,7 +12315,7 @@
               </a:ln>
               <a:extLst>
                 <a:ext uri="{91240B29-F687-4f45-9708-019B960494DF}">
-                  <a14:hiddenLine xmlns="" xmlns:a14="http://schemas.microsoft.com/office/drawing/2010/main" w="9525">
+                  <a14:hiddenLine xmlns:a14="http://schemas.microsoft.com/office/drawing/2010/main" xmlns="" w="9525">
                     <a:solidFill>
                       <a:srgbClr val="000000"/>
                     </a:solidFill>
@@ -12408,7 +12405,7 @@
               </a:ln>
               <a:extLst>
                 <a:ext uri="{91240B29-F687-4f45-9708-019B960494DF}">
-                  <a14:hiddenLine xmlns="" xmlns:a14="http://schemas.microsoft.com/office/drawing/2010/main" w="9525">
+                  <a14:hiddenLine xmlns:a14="http://schemas.microsoft.com/office/drawing/2010/main" xmlns="" w="9525">
                     <a:solidFill>
                       <a:srgbClr val="000000"/>
                     </a:solidFill>
@@ -12442,7 +12439,7 @@
               </a:ln>
               <a:extLst>
                 <a:ext uri="{91240B29-F687-4f45-9708-019B960494DF}">
-                  <a14:hiddenLine xmlns="" xmlns:a14="http://schemas.microsoft.com/office/drawing/2010/main" w="9525">
+                  <a14:hiddenLine xmlns:a14="http://schemas.microsoft.com/office/drawing/2010/main" xmlns="" w="9525">
                     <a:solidFill>
                       <a:srgbClr val="000000"/>
                     </a:solidFill>
@@ -12583,7 +12580,7 @@
             <a:fld id="{48A87A34-81AB-432B-8DAE-1953F412C126}" type="datetimeFigureOut">
               <a:rPr lang="en-US" smtClean="0"/>
               <a:pPr/>
-              <a:t>6/18/2020</a:t>
+              <a:t>6/22/2020</a:t>
             </a:fld>
             <a:endParaRPr lang="en-US" dirty="0"/>
           </a:p>
@@ -13584,6 +13581,10 @@
               <a:rPr lang="en-GB" dirty="0" err="1"/>
               <a:t>dokumentacji</a:t>
             </a:r>
+            <a:r>
+              <a:rPr lang="en-GB" dirty="0"/>
+              <a:t> SPINX</a:t>
+            </a:r>
             <a:endParaRPr lang="en-US" dirty="0"/>
           </a:p>
         </p:txBody>
@@ -13814,7 +13815,22 @@
             <a:pPr algn="ctr"/>
             <a:r>
               <a:rPr lang="pl-PL" dirty="0"/>
-              <a:t>Dokumentacja techniczna </a:t>
+              <a:t>alterynatyw</a:t>
+            </a:r>
+            <a:r>
+              <a:rPr lang="en-US" dirty="0"/>
+              <a:t>a</a:t>
+            </a:r>
+            <a:r>
+              <a:rPr lang="pl-PL" dirty="0"/>
+              <a:t> do Asana</a:t>
+            </a:r>
+            <a:br>
+              <a:rPr lang="en-US" dirty="0"/>
+            </a:br>
+            <a:r>
+              <a:rPr lang="en-US" dirty="0"/>
+              <a:t>Trello ( Wady i zalety)</a:t>
             </a:r>
             <a:endParaRPr lang="en-US" sz="4400" dirty="0">
               <a:latin typeface="Rockwell" panose="02060603020205020403" pitchFamily="18" charset="0"/>
@@ -13825,7 +13841,7 @@
     </p:spTree>
     <p:extLst>
       <p:ext uri="{BB962C8B-B14F-4D97-AF65-F5344CB8AC3E}">
-        <p14:creationId xmlns:p14="http://schemas.microsoft.com/office/powerpoint/2010/main" val="1641141301"/>
+        <p14:creationId xmlns:p14="http://schemas.microsoft.com/office/powerpoint/2010/main" val="575605539"/>
       </p:ext>
     </p:extLst>
   </p:cSld>
@@ -13862,21 +13878,15 @@
             <p:ph type="title"/>
           </p:nvPr>
         </p:nvSpPr>
-        <p:spPr>
-          <a:xfrm>
-            <a:off x="1141414" y="103259"/>
-            <a:ext cx="9905998" cy="1478570"/>
-          </a:xfrm>
-        </p:spPr>
+        <p:spPr/>
         <p:txBody>
           <a:bodyPr/>
           <a:lstStyle/>
           <a:p>
             <a:r>
-              <a:rPr lang="pl-PL" dirty="0"/>
-              <a:t>Dokumentacja techniczna </a:t>
-            </a:r>
-            <a:endParaRPr lang="en-US" dirty="0"/>
+              <a:rPr lang="en-US" dirty="0"/>
+              <a:t>Trello</a:t>
+            </a:r>
           </a:p>
         </p:txBody>
       </p:sp>
@@ -13892,8 +13902,8 @@
         </p:nvSpPr>
         <p:spPr>
           <a:xfrm>
-            <a:off x="1141414" y="1262515"/>
-            <a:ext cx="9905999" cy="5276171"/>
+            <a:off x="1141412" y="2249486"/>
+            <a:ext cx="9905999" cy="4456113"/>
           </a:xfrm>
         </p:spPr>
         <p:txBody>
@@ -13902,26 +13912,48 @@
           </a:bodyPr>
           <a:lstStyle/>
           <a:p>
-            <a:pPr lvl="1"/>
-            <a:r>
-              <a:rPr lang="pl-PL" dirty="0"/>
-              <a:t>Dokumentacja jest potrzebna. Jest częścią produktu, ma wartość biznesową - pozwala ograniczyć koszty i pozyskiwać nowych klientów.  W zależności od zastosowania, odbiorcy czy skali projektu, może ona przybierać różne formy. Zazwyczaj pisanie dokumentacji nie wymaga tworzenia tysięcy dokumentów i skomplikowanego języka - treści powinny być proste i zrozumiałe dla jak największej grupy odbiorców. W idealnej sytuacji, dokumentacja może być częścią procesu tworzenia oprogramowania, co pozwala ograniczyć czas potrzebny na jej przygotowanie i publikację.</a:t>
-            </a:r>
-            <a:br>
-              <a:rPr lang="pl-PL" dirty="0"/>
-            </a:br>
-            <a:r>
-              <a:rPr lang="pl-PL" dirty="0"/>
-              <a:t>powinniśmy zasięgnąć trochę wiedzy na temat wypracowanych metod skutecznej komunikacji. Dobrym przykładem będzie plain language - czyli zestaw wytycznych, które mówią wprost, co to znaczy, że tekst jest prosty. Celem jest tworzenie dokumentów w taki sposób, aby były zrozumiałe dla możliwie szerokiego spektrum odbiorców.</a:t>
-            </a:r>
+            <a:pPr marL="457200" lvl="1" indent="0">
+              <a:buNone/>
+            </a:pPr>
+            <a:r>
+              <a:rPr lang="pl-PL" sz="2400" dirty="0"/>
+              <a:t>Opisywaną alterynatywą do Asana będzie aplikacja o nazwie Trello.Trello umożliwia wizualne zarządzanie notatkami, czy raczej jak mówią twórcy — „wszystkim” i dzielenie się tym ze „wszystkimi”. Nieważne czy pracujesz solo, czy z zespołem, Trello ma tę cudowną zaletę, że jest typowym narzędziem. To, co z nim zrobisz zależy tylko od Ciebie oraz Twoich współpracowników.</a:t>
+            </a:r>
+            <a:endParaRPr lang="en-US" sz="2400" dirty="0"/>
+          </a:p>
+          <a:p>
             <a:endParaRPr lang="en-US" dirty="0"/>
           </a:p>
         </p:txBody>
       </p:sp>
+      <p:pic>
+        <p:nvPicPr>
+          <p:cNvPr id="4" name="Obraz 3"/>
+          <p:cNvPicPr>
+            <a:picLocks noChangeAspect="1"/>
+          </p:cNvPicPr>
+          <p:nvPr/>
+        </p:nvPicPr>
+        <p:blipFill>
+          <a:blip r:embed="rId2"/>
+          <a:stretch>
+            <a:fillRect/>
+          </a:stretch>
+        </p:blipFill>
+        <p:spPr>
+          <a:xfrm>
+            <a:off x="5800725" y="592138"/>
+            <a:ext cx="4857750" cy="1504950"/>
+          </a:xfrm>
+          <a:prstGeom prst="rect">
+            <a:avLst/>
+          </a:prstGeom>
+        </p:spPr>
+      </p:pic>
     </p:spTree>
     <p:extLst>
       <p:ext uri="{BB962C8B-B14F-4D97-AF65-F5344CB8AC3E}">
-        <p14:creationId xmlns:p14="http://schemas.microsoft.com/office/powerpoint/2010/main" val="4118575321"/>
+        <p14:creationId xmlns:p14="http://schemas.microsoft.com/office/powerpoint/2010/main" val="681924962"/>
       </p:ext>
     </p:extLst>
   </p:cSld>
@@ -13958,25 +13990,15 @@
             <p:ph type="title"/>
           </p:nvPr>
         </p:nvSpPr>
-        <p:spPr>
-          <a:xfrm>
-            <a:off x="1141414" y="103259"/>
-            <a:ext cx="9905998" cy="1478570"/>
-          </a:xfrm>
-        </p:spPr>
+        <p:spPr/>
         <p:txBody>
-          <a:bodyPr>
-            <a:normAutofit fontScale="90000"/>
-          </a:bodyPr>
+          <a:bodyPr/>
           <a:lstStyle/>
           <a:p>
             <a:r>
-              <a:rPr lang="en-US" dirty="0" smtClean="0"/>
-              <a:t>Przykładowe narzędzia do tworzenia dokumentacji technicznej:</a:t>
-            </a:r>
-            <a:br>
-              <a:rPr lang="en-US" dirty="0" smtClean="0"/>
-            </a:br>
+              <a:rPr lang="pl-PL" dirty="0"/>
+              <a:t>Przykładowe zalety trello</a:t>
+            </a:r>
             <a:endParaRPr lang="en-US" dirty="0"/>
           </a:p>
         </p:txBody>
@@ -13991,69 +14013,55 @@
             <p:ph idx="1"/>
           </p:nvPr>
         </p:nvSpPr>
-        <p:spPr>
-          <a:xfrm>
-            <a:off x="1141414" y="1262515"/>
-            <a:ext cx="9905999" cy="5276171"/>
-          </a:xfrm>
-        </p:spPr>
+        <p:spPr/>
         <p:txBody>
           <a:bodyPr>
-            <a:noAutofit/>
+            <a:normAutofit fontScale="85000" lnSpcReduction="20000"/>
           </a:bodyPr>
           <a:lstStyle/>
           <a:p>
-            <a:pPr marL="457200" lvl="1" indent="0">
+            <a:pPr lvl="0"/>
+            <a:r>
+              <a:rPr lang="pl-PL" dirty="0"/>
+              <a:t> Codzienna organizacja - jeśli Twój dzień jest wypełniony różnego rodzaju zadaniami, posiadanie wszystkich tych zadań w jednym miejscu może być niezbędne. Trello może zestawiać wszystkie twoje zadania w listy i nadal pozwala ci uzyskać doskonały widok na cały dzień.</a:t>
+            </a:r>
+            <a:endParaRPr lang="en-US" dirty="0"/>
+          </a:p>
+          <a:p>
+            <a:pPr lvl="0"/>
+            <a:r>
+              <a:rPr lang="pl-PL" dirty="0"/>
+              <a:t>Śledzenie czasu - Śledzenie czasu niekoniecznie musi być tym, które ładuje się z godziny. To naprawdę wspaniały sposób na zwiększenie wydajności.</a:t>
+            </a:r>
+            <a:endParaRPr lang="en-US" dirty="0"/>
+          </a:p>
+          <a:p>
+            <a:pPr lvl="0"/>
+            <a:r>
+              <a:rPr lang="pl-PL" dirty="0"/>
+              <a:t>Czytelna lista zadań - Jeśli masz powoli rosnący katalog książek, które chcesz przeczytać, możesz po prostu przechowywać listę w Trello, tworząc karty dla każdej z nich.</a:t>
+            </a:r>
+            <a:endParaRPr lang="en-US" dirty="0"/>
+          </a:p>
+          <a:p>
+            <a:pPr marL="0" indent="0">
               <a:buNone/>
             </a:pPr>
             <a:r>
-              <a:rPr lang="pl-PL" dirty="0" smtClean="0"/>
-              <a:t>●Natural Docs</a:t>
-            </a:r>
-            <a:endParaRPr lang="en-US" dirty="0" smtClean="0"/>
-          </a:p>
-          <a:p>
-            <a:pPr marL="457200" lvl="1" indent="0">
-              <a:buNone/>
-            </a:pPr>
-            <a:r>
-              <a:rPr lang="pl-PL" dirty="0" smtClean="0"/>
-              <a:t>pozwala </a:t>
-            </a:r>
-            <a:r>
               <a:rPr lang="pl-PL" dirty="0"/>
-              <a:t>dokumentować kod napisany w jednym z 21 języków programowania, a ponadto można go łatwo rozszerzyć o więcej, więc bez względu na to, czego używasz, może również. A jeśli twój projekt używa wielu języków, nie ma problemu! Wszystko to będzie zawarte w tym samym zestawie dokumentacji.</a:t>
-            </a:r>
-          </a:p>
-          <a:p>
-            <a:pPr marL="457200" lvl="1" indent="0">
-              <a:buNone/>
-            </a:pPr>
-            <a:r>
-              <a:rPr lang="pl-PL" dirty="0" smtClean="0"/>
-              <a:t>●DoxyGen</a:t>
-            </a:r>
-            <a:endParaRPr lang="en-US" dirty="0" smtClean="0"/>
-          </a:p>
-          <a:p>
-            <a:pPr marL="457200" lvl="1" indent="0">
-              <a:buNone/>
-            </a:pPr>
-            <a:r>
-              <a:rPr lang="pl-PL" dirty="0" smtClean="0"/>
-              <a:t>Ndo </a:t>
-            </a:r>
-            <a:r>
-              <a:rPr lang="pl-PL" dirty="0"/>
-              <a:t>generowania dokumentacji ze źródeł C ++ z adnotacjami, ale obsługuje także inne popularne języki programowania, takie jak C, Objective-C, C #, PHP, Java, Python, IDL (smaki Corba, Microsoft i UNO / OpenOffice) ),</a:t>
-            </a:r>
+              <a:t> </a:t>
+            </a:r>
+            <a:endParaRPr lang="en-US" dirty="0"/>
+          </a:p>
+          <a:p>
+            <a:endParaRPr lang="en-US" dirty="0"/>
           </a:p>
         </p:txBody>
       </p:sp>
     </p:spTree>
     <p:extLst>
       <p:ext uri="{BB962C8B-B14F-4D97-AF65-F5344CB8AC3E}">
-        <p14:creationId xmlns:p14="http://schemas.microsoft.com/office/powerpoint/2010/main" val="2359670681"/>
+        <p14:creationId xmlns:p14="http://schemas.microsoft.com/office/powerpoint/2010/main" val="2570868676"/>
       </p:ext>
     </p:extLst>
   </p:cSld>
@@ -14082,13 +14090,7 @@
       </p:grpSpPr>
       <p:sp>
         <p:nvSpPr>
-          <p:cNvPr id="2" name="Title 1">
-            <a:extLst>
-              <a:ext uri="{FF2B5EF4-FFF2-40B4-BE49-F238E27FC236}">
-                <a16:creationId xmlns:a16="http://schemas.microsoft.com/office/drawing/2014/main" id="{34DB6CE4-2B13-4715-B5B2-615A55922CA1}"/>
-              </a:ext>
-            </a:extLst>
-          </p:cNvPr>
+          <p:cNvPr id="2" name="Tytuł 1"/>
           <p:cNvSpPr>
             <a:spLocks noGrp="1"/>
           </p:cNvSpPr>
@@ -14096,60 +14098,82 @@
             <p:ph type="title"/>
           </p:nvPr>
         </p:nvSpPr>
-        <p:spPr>
-          <a:xfrm>
-            <a:off x="1143001" y="2689715"/>
-            <a:ext cx="9905998" cy="1478570"/>
-          </a:xfrm>
-        </p:spPr>
+        <p:spPr/>
+        <p:txBody>
+          <a:bodyPr/>
+          <a:lstStyle/>
+          <a:p>
+            <a:r>
+              <a:rPr lang="pl-PL" dirty="0"/>
+              <a:t>Przykładowe zalety trello</a:t>
+            </a:r>
+            <a:r>
+              <a:rPr lang="en-US" dirty="0"/>
+              <a:t> cd.</a:t>
+            </a:r>
+          </a:p>
+        </p:txBody>
+      </p:sp>
+      <p:sp>
+        <p:nvSpPr>
+          <p:cNvPr id="3" name="Symbol zastępczy zawartości 2"/>
+          <p:cNvSpPr>
+            <a:spLocks noGrp="1"/>
+          </p:cNvSpPr>
+          <p:nvPr>
+            <p:ph idx="1"/>
+          </p:nvPr>
+        </p:nvSpPr>
+        <p:spPr/>
         <p:txBody>
           <a:bodyPr>
-            <a:normAutofit/>
+            <a:normAutofit fontScale="85000" lnSpcReduction="10000"/>
           </a:bodyPr>
           <a:lstStyle/>
           <a:p>
-            <a:pPr algn="ctr"/>
-            <a:r>
-              <a:rPr lang="pl-PL" dirty="0" smtClean="0"/>
-              <a:t>alterynatyw</a:t>
-            </a:r>
-            <a:r>
-              <a:rPr lang="en-US" dirty="0" smtClean="0"/>
-              <a:t>a</a:t>
-            </a:r>
-            <a:r>
-              <a:rPr lang="pl-PL" dirty="0" smtClean="0"/>
+            <a:pPr lvl="0"/>
+            <a:r>
+              <a:rPr lang="pl-PL" dirty="0"/>
+              <a:t>Łatwe palnowanie wakacji - Planowanie wakacji zazwyczaj wymaga wielu decyzji. Trello pomaga to uprościć, tworząc listy codziennych czynności.</a:t>
+            </a:r>
+            <a:endParaRPr lang="en-US" dirty="0"/>
+          </a:p>
+          <a:p>
+            <a:pPr lvl="0"/>
+            <a:r>
+              <a:rPr lang="pl-PL" dirty="0"/>
+              <a:t> Zarządzaj budżetem - Trello może pomóc w stworzeniu planu finansowego. Możesz skonfigurować karty i śledzić dochody i wydatki, kiedy ich potrzebujesz.</a:t>
+            </a:r>
+            <a:endParaRPr lang="en-US" dirty="0"/>
+          </a:p>
+          <a:p>
+            <a:pPr lvl="0"/>
+            <a:r>
+              <a:rPr lang="pl-PL" dirty="0"/>
+              <a:t>Zarządzanie projektami - niezależnie od projektu, Trello będzie do Twojej dyspozycji. Utworzenie tablicy z indywidualnymi listami może zarządzać wszystkimi małymi zadaniami, które są częścią twojego ogólnego projektu</a:t>
+            </a:r>
+            <a:r>
+              <a:rPr lang="en-US" dirty="0"/>
               <a:t> </a:t>
             </a:r>
             <a:r>
               <a:rPr lang="pl-PL" dirty="0"/>
-              <a:t>do </a:t>
-            </a:r>
-            <a:r>
-              <a:rPr lang="pl-PL" dirty="0" smtClean="0"/>
-              <a:t>Asana</a:t>
-            </a:r>
-            <a:r>
-              <a:rPr lang="en-US" dirty="0" smtClean="0"/>
-              <a:t/>
-            </a:r>
-            <a:br>
-              <a:rPr lang="en-US" dirty="0" smtClean="0"/>
-            </a:br>
-            <a:r>
-              <a:rPr lang="en-US" dirty="0" smtClean="0"/>
-              <a:t>Trello ( Wady i zalety)</a:t>
-            </a:r>
-            <a:endParaRPr lang="en-US" sz="4400" dirty="0">
-              <a:latin typeface="Rockwell" panose="02060603020205020403" pitchFamily="18" charset="0"/>
-            </a:endParaRPr>
+              <a:t>decyzji. Trello pomaga to uprościć, łącza listy codziennych operacji.</a:t>
+            </a:r>
+            <a:endParaRPr lang="en-US" dirty="0"/>
+          </a:p>
+          <a:p>
+            <a:pPr marL="0" indent="0">
+              <a:buNone/>
+            </a:pPr>
+            <a:endParaRPr lang="en-US" dirty="0"/>
           </a:p>
         </p:txBody>
       </p:sp>
     </p:spTree>
     <p:extLst>
       <p:ext uri="{BB962C8B-B14F-4D97-AF65-F5344CB8AC3E}">
-        <p14:creationId xmlns:p14="http://schemas.microsoft.com/office/powerpoint/2010/main" val="575605539"/>
+        <p14:creationId xmlns:p14="http://schemas.microsoft.com/office/powerpoint/2010/main" val="767774197"/>
       </p:ext>
     </p:extLst>
   </p:cSld>
@@ -14192,8 +14216,12 @@
           <a:lstStyle/>
           <a:p>
             <a:r>
-              <a:rPr lang="en-US" dirty="0" smtClean="0"/>
-              <a:t>Trello</a:t>
+              <a:rPr lang="en-US" dirty="0"/>
+              <a:t>Przykładowe </a:t>
+            </a:r>
+            <a:r>
+              <a:rPr lang="pl-PL" dirty="0"/>
+              <a:t>Wady aplikacji Trello</a:t>
             </a:r>
             <a:endParaRPr lang="en-US" dirty="0"/>
           </a:p>
@@ -14209,68 +14237,34 @@
             <p:ph idx="1"/>
           </p:nvPr>
         </p:nvSpPr>
-        <p:spPr>
-          <a:xfrm>
-            <a:off x="1141412" y="2249486"/>
-            <a:ext cx="9905999" cy="4456113"/>
-          </a:xfrm>
-        </p:spPr>
+        <p:spPr/>
         <p:txBody>
           <a:bodyPr>
-            <a:noAutofit/>
+            <a:normAutofit fontScale="85000" lnSpcReduction="20000"/>
           </a:bodyPr>
           <a:lstStyle/>
           <a:p>
-            <a:pPr marL="457200" lvl="1" indent="0">
-              <a:buNone/>
-            </a:pPr>
-            <a:r>
-              <a:rPr lang="pl-PL" sz="2400" dirty="0"/>
-              <a:t>Opisywaną alterynatywą do Asana będzie aplikacja o nazwie </a:t>
-            </a:r>
-            <a:r>
-              <a:rPr lang="pl-PL" sz="2400" dirty="0" smtClean="0"/>
-              <a:t>Trello.Trello </a:t>
-            </a:r>
-            <a:r>
-              <a:rPr lang="pl-PL" sz="2400" dirty="0"/>
-              <a:t>umożliwia wizualne zarządzanie notatkami, czy raczej jak mówią twórcy — „wszystkim” i dzielenie się tym ze „wszystkimi”. Nieważne czy pracujesz solo, czy z zespołem, Trello ma tę cudowną zaletę, że jest typowym narzędziem. To, co z nim zrobisz zależy tylko od Ciebie oraz Twoich współpracowników.</a:t>
-            </a:r>
-            <a:endParaRPr lang="en-US" sz="2400" dirty="0"/>
-          </a:p>
-          <a:p>
+            <a:pPr lvl="0"/>
+            <a:r>
+              <a:rPr lang="pl-PL" dirty="0"/>
+              <a:t>Nie ma wsparcja offline - głównym problemem nie tylko Trello, ale ogólnie tego rodzaju oprogramowania jest poleganie na danych. Jeśli nie masz dostępu do Internetu, nie masz dostępu do swojego Trello. Dostęp do danych może nie wydawać się problemem, biorąc pod uwagę wiek, w którym żyjemy, ale niestety zawsze będą sytuacje, w których nie będzie można uzyskać dostępu do danych.</a:t>
+            </a:r>
+            <a:endParaRPr lang="en-US" dirty="0"/>
+          </a:p>
+          <a:p>
+            <a:pPr lvl="0"/>
+            <a:r>
+              <a:rPr lang="pl-PL" dirty="0"/>
+              <a:t> Pamięć jest ograniczona - chociaż Trello może przechowywać wiele załączników, załączniki te są ograniczone do 250 MB na przesyłanie, jeśli jesteś złotym członkiem. Problem polega na tym, że masz tylko 10 MB na przesyłkę, jeśli jesteś podstawowym członkiem.</a:t>
+            </a:r>
             <a:endParaRPr lang="en-US" dirty="0"/>
           </a:p>
         </p:txBody>
       </p:sp>
-      <p:pic>
-        <p:nvPicPr>
-          <p:cNvPr id="4" name="Obraz 3"/>
-          <p:cNvPicPr>
-            <a:picLocks noChangeAspect="1"/>
-          </p:cNvPicPr>
-          <p:nvPr/>
-        </p:nvPicPr>
-        <p:blipFill>
-          <a:blip r:embed="rId2"/>
-          <a:stretch>
-            <a:fillRect/>
-          </a:stretch>
-        </p:blipFill>
-        <p:spPr>
-          <a:xfrm>
-            <a:off x="5800725" y="592138"/>
-            <a:ext cx="4857750" cy="1504950"/>
-          </a:xfrm>
-          <a:prstGeom prst="rect">
-            <a:avLst/>
-          </a:prstGeom>
-        </p:spPr>
-      </p:pic>
     </p:spTree>
     <p:extLst>
       <p:ext uri="{BB962C8B-B14F-4D97-AF65-F5344CB8AC3E}">
-        <p14:creationId xmlns:p14="http://schemas.microsoft.com/office/powerpoint/2010/main" val="681924962"/>
+        <p14:creationId xmlns:p14="http://schemas.microsoft.com/office/powerpoint/2010/main" val="1443806160"/>
       </p:ext>
     </p:extLst>
   </p:cSld>
@@ -14378,342 +14372,6 @@
             <p:ph type="title"/>
           </p:nvPr>
         </p:nvSpPr>
-        <p:spPr/>
-        <p:txBody>
-          <a:bodyPr/>
-          <a:lstStyle/>
-          <a:p>
-            <a:r>
-              <a:rPr lang="pl-PL" dirty="0"/>
-              <a:t>Przykładowe zalety </a:t>
-            </a:r>
-            <a:r>
-              <a:rPr lang="pl-PL" dirty="0" smtClean="0"/>
-              <a:t>trello</a:t>
-            </a:r>
-            <a:endParaRPr lang="en-US" dirty="0"/>
-          </a:p>
-        </p:txBody>
-      </p:sp>
-      <p:sp>
-        <p:nvSpPr>
-          <p:cNvPr id="3" name="Symbol zastępczy zawartości 2"/>
-          <p:cNvSpPr>
-            <a:spLocks noGrp="1"/>
-          </p:cNvSpPr>
-          <p:nvPr>
-            <p:ph idx="1"/>
-          </p:nvPr>
-        </p:nvSpPr>
-        <p:spPr/>
-        <p:txBody>
-          <a:bodyPr>
-            <a:normAutofit fontScale="85000" lnSpcReduction="20000"/>
-          </a:bodyPr>
-          <a:lstStyle/>
-          <a:p>
-            <a:pPr lvl="0"/>
-            <a:r>
-              <a:rPr lang="pl-PL" dirty="0"/>
-              <a:t> Codzienna organizacja - jeśli Twój dzień jest wypełniony różnego rodzaju zadaniami, posiadanie wszystkich tych zadań w jednym miejscu może być niezbędne. Trello może zestawiać wszystkie twoje zadania w listy i nadal pozwala ci uzyskać doskonały widok na cały dzień.</a:t>
-            </a:r>
-            <a:endParaRPr lang="en-US" dirty="0"/>
-          </a:p>
-          <a:p>
-            <a:pPr lvl="0"/>
-            <a:r>
-              <a:rPr lang="pl-PL" dirty="0"/>
-              <a:t>Śledzenie czasu - Śledzenie czasu niekoniecznie musi być tym, które ładuje się z godziny. To naprawdę wspaniały sposób na zwiększenie wydajności.</a:t>
-            </a:r>
-            <a:endParaRPr lang="en-US" dirty="0"/>
-          </a:p>
-          <a:p>
-            <a:pPr lvl="0"/>
-            <a:r>
-              <a:rPr lang="pl-PL" dirty="0"/>
-              <a:t>Czytelna lista zadań - Jeśli masz powoli rosnący katalog książek, które chcesz przeczytać, możesz po prostu przechowywać listę w Trello, tworząc karty dla każdej z nich.</a:t>
-            </a:r>
-            <a:endParaRPr lang="en-US" dirty="0"/>
-          </a:p>
-          <a:p>
-            <a:pPr marL="0" indent="0">
-              <a:buNone/>
-            </a:pPr>
-            <a:r>
-              <a:rPr lang="pl-PL" dirty="0"/>
-              <a:t> </a:t>
-            </a:r>
-            <a:endParaRPr lang="en-US" dirty="0"/>
-          </a:p>
-          <a:p>
-            <a:endParaRPr lang="en-US" dirty="0"/>
-          </a:p>
-        </p:txBody>
-      </p:sp>
-    </p:spTree>
-    <p:extLst>
-      <p:ext uri="{BB962C8B-B14F-4D97-AF65-F5344CB8AC3E}">
-        <p14:creationId xmlns:p14="http://schemas.microsoft.com/office/powerpoint/2010/main" val="2570868676"/>
-      </p:ext>
-    </p:extLst>
-  </p:cSld>
-  <p:clrMapOvr>
-    <a:masterClrMapping/>
-  </p:clrMapOvr>
-</p:sld>
-</file>
-
-<file path=ppt/slides/slide21.xml><?xml version="1.0" encoding="utf-8"?>
-<p:sld xmlns:a="http://schemas.openxmlformats.org/drawingml/2006/main" xmlns:r="http://schemas.openxmlformats.org/officeDocument/2006/relationships" xmlns:p="http://schemas.openxmlformats.org/presentationml/2006/main">
-  <p:cSld>
-    <p:spTree>
-      <p:nvGrpSpPr>
-        <p:cNvPr id="1" name=""/>
-        <p:cNvGrpSpPr/>
-        <p:nvPr/>
-      </p:nvGrpSpPr>
-      <p:grpSpPr>
-        <a:xfrm>
-          <a:off x="0" y="0"/>
-          <a:ext cx="0" cy="0"/>
-          <a:chOff x="0" y="0"/>
-          <a:chExt cx="0" cy="0"/>
-        </a:xfrm>
-      </p:grpSpPr>
-      <p:sp>
-        <p:nvSpPr>
-          <p:cNvPr id="2" name="Tytuł 1"/>
-          <p:cNvSpPr>
-            <a:spLocks noGrp="1"/>
-          </p:cNvSpPr>
-          <p:nvPr>
-            <p:ph type="title"/>
-          </p:nvPr>
-        </p:nvSpPr>
-        <p:spPr/>
-        <p:txBody>
-          <a:bodyPr/>
-          <a:lstStyle/>
-          <a:p>
-            <a:r>
-              <a:rPr lang="pl-PL" dirty="0"/>
-              <a:t>Przykładowe zalety </a:t>
-            </a:r>
-            <a:r>
-              <a:rPr lang="pl-PL" dirty="0" smtClean="0"/>
-              <a:t>trello</a:t>
-            </a:r>
-            <a:r>
-              <a:rPr lang="en-US" dirty="0" smtClean="0"/>
-              <a:t> cd.</a:t>
-            </a:r>
-            <a:endParaRPr lang="en-US" dirty="0"/>
-          </a:p>
-        </p:txBody>
-      </p:sp>
-      <p:sp>
-        <p:nvSpPr>
-          <p:cNvPr id="3" name="Symbol zastępczy zawartości 2"/>
-          <p:cNvSpPr>
-            <a:spLocks noGrp="1"/>
-          </p:cNvSpPr>
-          <p:nvPr>
-            <p:ph idx="1"/>
-          </p:nvPr>
-        </p:nvSpPr>
-        <p:spPr/>
-        <p:txBody>
-          <a:bodyPr>
-            <a:normAutofit fontScale="85000" lnSpcReduction="10000"/>
-          </a:bodyPr>
-          <a:lstStyle/>
-          <a:p>
-            <a:pPr lvl="0"/>
-            <a:r>
-              <a:rPr lang="pl-PL" dirty="0"/>
-              <a:t>Łatwe palnowanie wakacji - Planowanie wakacji zazwyczaj wymaga wielu decyzji. Trello pomaga to uprościć, tworząc listy codziennych czynności.</a:t>
-            </a:r>
-            <a:endParaRPr lang="en-US" dirty="0"/>
-          </a:p>
-          <a:p>
-            <a:pPr lvl="0"/>
-            <a:r>
-              <a:rPr lang="pl-PL" dirty="0"/>
-              <a:t> Zarządzaj budżetem - Trello może pomóc w stworzeniu planu finansowego. Możesz skonfigurować karty i śledzić dochody i wydatki, kiedy ich potrzebujesz.</a:t>
-            </a:r>
-            <a:endParaRPr lang="en-US" dirty="0"/>
-          </a:p>
-          <a:p>
-            <a:pPr lvl="0"/>
-            <a:r>
-              <a:rPr lang="pl-PL" dirty="0"/>
-              <a:t>Zarządzanie projektami - niezależnie od projektu, Trello będzie do Twojej dyspozycji. Utworzenie tablicy z indywidualnymi listami może zarządzać wszystkimi małymi zadaniami, które są częścią twojego ogólnego </a:t>
-            </a:r>
-            <a:r>
-              <a:rPr lang="pl-PL" dirty="0" smtClean="0"/>
-              <a:t>projektu</a:t>
-            </a:r>
-            <a:r>
-              <a:rPr lang="en-US" dirty="0" smtClean="0"/>
-              <a:t> </a:t>
-            </a:r>
-            <a:r>
-              <a:rPr lang="pl-PL" dirty="0" smtClean="0"/>
-              <a:t>decyzji</a:t>
-            </a:r>
-            <a:r>
-              <a:rPr lang="pl-PL" dirty="0"/>
-              <a:t>. Trello pomaga to uprościć, łącza listy codziennych operacji.</a:t>
-            </a:r>
-            <a:endParaRPr lang="en-US" dirty="0"/>
-          </a:p>
-          <a:p>
-            <a:pPr marL="0" indent="0">
-              <a:buNone/>
-            </a:pPr>
-            <a:endParaRPr lang="en-US" dirty="0"/>
-          </a:p>
-        </p:txBody>
-      </p:sp>
-    </p:spTree>
-    <p:extLst>
-      <p:ext uri="{BB962C8B-B14F-4D97-AF65-F5344CB8AC3E}">
-        <p14:creationId xmlns:p14="http://schemas.microsoft.com/office/powerpoint/2010/main" val="767774197"/>
-      </p:ext>
-    </p:extLst>
-  </p:cSld>
-  <p:clrMapOvr>
-    <a:masterClrMapping/>
-  </p:clrMapOvr>
-</p:sld>
-</file>
-
-<file path=ppt/slides/slide22.xml><?xml version="1.0" encoding="utf-8"?>
-<p:sld xmlns:a="http://schemas.openxmlformats.org/drawingml/2006/main" xmlns:r="http://schemas.openxmlformats.org/officeDocument/2006/relationships" xmlns:p="http://schemas.openxmlformats.org/presentationml/2006/main">
-  <p:cSld>
-    <p:spTree>
-      <p:nvGrpSpPr>
-        <p:cNvPr id="1" name=""/>
-        <p:cNvGrpSpPr/>
-        <p:nvPr/>
-      </p:nvGrpSpPr>
-      <p:grpSpPr>
-        <a:xfrm>
-          <a:off x="0" y="0"/>
-          <a:ext cx="0" cy="0"/>
-          <a:chOff x="0" y="0"/>
-          <a:chExt cx="0" cy="0"/>
-        </a:xfrm>
-      </p:grpSpPr>
-      <p:sp>
-        <p:nvSpPr>
-          <p:cNvPr id="2" name="Tytuł 1"/>
-          <p:cNvSpPr>
-            <a:spLocks noGrp="1"/>
-          </p:cNvSpPr>
-          <p:nvPr>
-            <p:ph type="title"/>
-          </p:nvPr>
-        </p:nvSpPr>
-        <p:spPr/>
-        <p:txBody>
-          <a:bodyPr/>
-          <a:lstStyle/>
-          <a:p>
-            <a:r>
-              <a:rPr lang="en-US" dirty="0" smtClean="0"/>
-              <a:t>Przykładowe </a:t>
-            </a:r>
-            <a:r>
-              <a:rPr lang="pl-PL" dirty="0" smtClean="0"/>
-              <a:t>Wady </a:t>
-            </a:r>
-            <a:r>
-              <a:rPr lang="pl-PL" dirty="0"/>
-              <a:t>aplikacji </a:t>
-            </a:r>
-            <a:r>
-              <a:rPr lang="pl-PL" dirty="0" smtClean="0"/>
-              <a:t>Trello</a:t>
-            </a:r>
-            <a:endParaRPr lang="en-US" dirty="0"/>
-          </a:p>
-        </p:txBody>
-      </p:sp>
-      <p:sp>
-        <p:nvSpPr>
-          <p:cNvPr id="3" name="Symbol zastępczy zawartości 2"/>
-          <p:cNvSpPr>
-            <a:spLocks noGrp="1"/>
-          </p:cNvSpPr>
-          <p:nvPr>
-            <p:ph idx="1"/>
-          </p:nvPr>
-        </p:nvSpPr>
-        <p:spPr/>
-        <p:txBody>
-          <a:bodyPr>
-            <a:normAutofit fontScale="85000" lnSpcReduction="20000"/>
-          </a:bodyPr>
-          <a:lstStyle/>
-          <a:p>
-            <a:pPr lvl="0"/>
-            <a:r>
-              <a:rPr lang="pl-PL" dirty="0"/>
-              <a:t>Nie ma wsparcja offline - głównym problemem nie tylko Trello, ale ogólnie tego rodzaju oprogramowania jest poleganie na danych. Jeśli nie masz dostępu do Internetu, nie masz dostępu do swojego Trello. Dostęp do danych może nie wydawać się problemem, biorąc pod uwagę wiek, w którym żyjemy, ale niestety zawsze będą sytuacje, w których nie będzie można uzyskać dostępu do danych.</a:t>
-            </a:r>
-            <a:endParaRPr lang="en-US" dirty="0"/>
-          </a:p>
-          <a:p>
-            <a:pPr lvl="0"/>
-            <a:r>
-              <a:rPr lang="pl-PL" dirty="0"/>
-              <a:t> Pamięć jest ograniczona - chociaż Trello może przechowywać wiele załączników, załączniki te są ograniczone do 250 MB na przesyłanie, jeśli jesteś złotym członkiem. Problem polega na tym, że masz tylko 10 MB na przesyłkę, jeśli jesteś podstawowym członkiem.</a:t>
-            </a:r>
-            <a:endParaRPr lang="en-US" dirty="0"/>
-          </a:p>
-        </p:txBody>
-      </p:sp>
-    </p:spTree>
-    <p:extLst>
-      <p:ext uri="{BB962C8B-B14F-4D97-AF65-F5344CB8AC3E}">
-        <p14:creationId xmlns:p14="http://schemas.microsoft.com/office/powerpoint/2010/main" val="1443806160"/>
-      </p:ext>
-    </p:extLst>
-  </p:cSld>
-  <p:clrMapOvr>
-    <a:masterClrMapping/>
-  </p:clrMapOvr>
-</p:sld>
-</file>
-
-<file path=ppt/slides/slide23.xml><?xml version="1.0" encoding="utf-8"?>
-<p:sld xmlns:a="http://schemas.openxmlformats.org/drawingml/2006/main" xmlns:r="http://schemas.openxmlformats.org/officeDocument/2006/relationships" xmlns:p="http://schemas.openxmlformats.org/presentationml/2006/main">
-  <p:cSld>
-    <p:spTree>
-      <p:nvGrpSpPr>
-        <p:cNvPr id="1" name=""/>
-        <p:cNvGrpSpPr/>
-        <p:nvPr/>
-      </p:nvGrpSpPr>
-      <p:grpSpPr>
-        <a:xfrm>
-          <a:off x="0" y="0"/>
-          <a:ext cx="0" cy="0"/>
-          <a:chOff x="0" y="0"/>
-          <a:chExt cx="0" cy="0"/>
-        </a:xfrm>
-      </p:grpSpPr>
-      <p:sp>
-        <p:nvSpPr>
-          <p:cNvPr id="2" name="Tytuł 1"/>
-          <p:cNvSpPr>
-            <a:spLocks noGrp="1"/>
-          </p:cNvSpPr>
-          <p:nvPr>
-            <p:ph type="title"/>
-          </p:nvPr>
-        </p:nvSpPr>
         <p:spPr>
           <a:xfrm>
             <a:off x="1141413" y="618518"/>
@@ -14725,26 +14383,17 @@
           <a:lstStyle/>
           <a:p>
             <a:r>
-              <a:rPr lang="en-US" dirty="0" smtClean="0"/>
+              <a:rPr lang="en-US" dirty="0"/>
               <a:t>Przykładowe </a:t>
             </a:r>
             <a:r>
-              <a:rPr lang="pl-PL" dirty="0" smtClean="0"/>
-              <a:t>Wady </a:t>
-            </a:r>
-            <a:r>
               <a:rPr lang="pl-PL" dirty="0"/>
-              <a:t>aplikacji </a:t>
-            </a:r>
-            <a:r>
-              <a:rPr lang="pl-PL" dirty="0" smtClean="0"/>
-              <a:t>Trello</a:t>
-            </a:r>
-            <a:r>
-              <a:rPr lang="en-US" dirty="0" smtClean="0"/>
+              <a:t>Wady aplikacji Trello</a:t>
+            </a:r>
+            <a:r>
+              <a:rPr lang="en-US" dirty="0"/>
               <a:t> cd.</a:t>
             </a:r>
-            <a:endParaRPr lang="en-US" dirty="0"/>
           </a:p>
         </p:txBody>
       </p:sp>
@@ -14795,7 +14444,7 @@
 </p:sld>
 </file>
 
-<file path=ppt/slides/slide24.xml><?xml version="1.0" encoding="utf-8"?>
+<file path=ppt/slides/slide21.xml><?xml version="1.0" encoding="utf-8"?>
 <p:sld xmlns:a="http://schemas.openxmlformats.org/drawingml/2006/main" xmlns:r="http://schemas.openxmlformats.org/officeDocument/2006/relationships" xmlns:p="http://schemas.openxmlformats.org/presentationml/2006/main">
   <p:cSld>
     <p:spTree>
@@ -14842,7 +14491,7 @@
           <a:p>
             <a:pPr algn="ctr"/>
             <a:r>
-              <a:rPr lang="en-GB" sz="4400" dirty="0" smtClean="0">
+              <a:rPr lang="en-GB" sz="4400" dirty="0">
                 <a:latin typeface="Rockwell" panose="02060603020205020403" pitchFamily="18" charset="0"/>
               </a:rPr>
               <a:t>Dziękujemy za uwagę</a:t>
@@ -15853,14 +15502,6 @@
               </a:rPr>
               <a:t>obrazów</a:t>
             </a:r>
-            <a:r>
-              <a:rPr lang="en-GB" dirty="0">
-                <a:latin typeface="Tahoma" panose="020B0604030504040204" pitchFamily="34" charset="0"/>
-                <a:ea typeface="Tahoma" panose="020B0604030504040204" pitchFamily="34" charset="0"/>
-                <a:cs typeface="Tahoma" panose="020B0604030504040204" pitchFamily="34" charset="0"/>
-              </a:rPr>
-              <a:t/>
-            </a:r>
             <a:br>
               <a:rPr lang="en-GB" dirty="0">
                 <a:latin typeface="Tahoma" panose="020B0604030504040204" pitchFamily="34" charset="0"/>
@@ -15907,14 +15548,6 @@
                 <a:cs typeface="Tahoma" panose="020B0604030504040204" pitchFamily="34" charset="0"/>
               </a:rPr>
               <a:t>informacje</a:t>
-            </a:r>
-            <a:r>
-              <a:rPr lang="en-GB" dirty="0">
-                <a:latin typeface="Tahoma" panose="020B0604030504040204" pitchFamily="34" charset="0"/>
-                <a:ea typeface="Tahoma" panose="020B0604030504040204" pitchFamily="34" charset="0"/>
-                <a:cs typeface="Tahoma" panose="020B0604030504040204" pitchFamily="34" charset="0"/>
-              </a:rPr>
-              <a:t/>
             </a:r>
             <a:br>
               <a:rPr lang="en-GB" dirty="0">
@@ -18152,6 +17785,14 @@
 </file>
 
 <file path=customXml/item1.xml><?xml version="1.0" encoding="utf-8"?>
+<p:properties xmlns:p="http://schemas.microsoft.com/office/2006/metadata/properties" xmlns:xsi="http://www.w3.org/2001/XMLSchema-instance" xmlns:pc="http://schemas.microsoft.com/office/infopath/2007/PartnerControls">
+  <documentManagement>
+    <MediaServiceKeyPoints xmlns="71af3243-3dd4-4a8d-8c0d-dd76da1f02a5" xsi:nil="true"/>
+  </documentManagement>
+</p:properties>
+</file>
+
+<file path=customXml/item2.xml><?xml version="1.0" encoding="utf-8"?>
 <ct:contentTypeSchema xmlns:ct="http://schemas.microsoft.com/office/2006/metadata/contentType" xmlns:ma="http://schemas.microsoft.com/office/2006/metadata/properties/metaAttributes" ct:_="" ma:_="" ma:contentTypeName="Document" ma:contentTypeID="0x01010079F111ED35F8CC479449609E8A0923A6" ma:contentTypeVersion="11" ma:contentTypeDescription="Create a new document." ma:contentTypeScope="" ma:versionID="96291512c1ee715ab617f4c07df79fc1">
   <xsd:schema xmlns:xsd="http://www.w3.org/2001/XMLSchema" xmlns:xs="http://www.w3.org/2001/XMLSchema" xmlns:p="http://schemas.microsoft.com/office/2006/metadata/properties" xmlns:ns2="71af3243-3dd4-4a8d-8c0d-dd76da1f02a5" xmlns:ns3="16c05727-aa75-4e4a-9b5f-8a80a1165891" targetNamespace="http://schemas.microsoft.com/office/2006/metadata/properties" ma:root="true" ma:fieldsID="8256c27c40ca5c40ce1cf6c44f0205df" ns2:_="" ns3:_="">
     <xsd:import namespace="71af3243-3dd4-4a8d-8c0d-dd76da1f02a5"/>
@@ -18362,14 +18003,6 @@
 </ct:contentTypeSchema>
 </file>
 
-<file path=customXml/item2.xml><?xml version="1.0" encoding="utf-8"?>
-<p:properties xmlns:p="http://schemas.microsoft.com/office/2006/metadata/properties" xmlns:xsi="http://www.w3.org/2001/XMLSchema-instance" xmlns:pc="http://schemas.microsoft.com/office/infopath/2007/PartnerControls">
-  <documentManagement>
-    <MediaServiceKeyPoints xmlns="71af3243-3dd4-4a8d-8c0d-dd76da1f02a5" xsi:nil="true"/>
-  </documentManagement>
-</p:properties>
-</file>
-
 <file path=customXml/item3.xml><?xml version="1.0" encoding="utf-8"?>
 <?mso-contentType ?>
 <FormTemplates xmlns="http://schemas.microsoft.com/sharepoint/v3/contenttype/forms">
@@ -18380,6 +18013,16 @@
 </file>
 
 <file path=customXml/itemProps1.xml><?xml version="1.0" encoding="utf-8"?>
+<ds:datastoreItem xmlns:ds="http://schemas.openxmlformats.org/officeDocument/2006/customXml" ds:itemID="{E7866CFD-F94E-4AE5-ACEA-86FEC0F48A10}">
+  <ds:schemaRefs>
+    <ds:schemaRef ds:uri="http://schemas.microsoft.com/office/2006/metadata/properties"/>
+    <ds:schemaRef ds:uri="http://schemas.microsoft.com/office/infopath/2007/PartnerControls"/>
+    <ds:schemaRef ds:uri="71af3243-3dd4-4a8d-8c0d-dd76da1f02a5"/>
+  </ds:schemaRefs>
+</ds:datastoreItem>
+</file>
+
+<file path=customXml/itemProps2.xml><?xml version="1.0" encoding="utf-8"?>
 <ds:datastoreItem xmlns:ds="http://schemas.openxmlformats.org/officeDocument/2006/customXml" ds:itemID="{A7C0B241-13E5-418D-8920-D23491E2D2C0}">
   <ds:schemaRefs>
     <ds:schemaRef ds:uri="http://schemas.microsoft.com/office/2006/metadata/contentType"/>
@@ -18398,16 +18041,6 @@
 </ds:datastoreItem>
 </file>
 
-<file path=customXml/itemProps2.xml><?xml version="1.0" encoding="utf-8"?>
-<ds:datastoreItem xmlns:ds="http://schemas.openxmlformats.org/officeDocument/2006/customXml" ds:itemID="{E7866CFD-F94E-4AE5-ACEA-86FEC0F48A10}">
-  <ds:schemaRefs>
-    <ds:schemaRef ds:uri="http://schemas.microsoft.com/office/2006/metadata/properties"/>
-    <ds:schemaRef ds:uri="http://schemas.microsoft.com/office/infopath/2007/PartnerControls"/>
-    <ds:schemaRef ds:uri="71af3243-3dd4-4a8d-8c0d-dd76da1f02a5"/>
-  </ds:schemaRefs>
-</ds:datastoreItem>
-</file>
-
 <file path=customXml/itemProps3.xml><?xml version="1.0" encoding="utf-8"?>
 <ds:datastoreItem xmlns:ds="http://schemas.openxmlformats.org/officeDocument/2006/customXml" ds:itemID="{B579702B-25C7-40D7-9E29-7686B11A9660}">
   <ds:schemaRefs>
